--- a/Design Log/Music Library.pptx
+++ b/Design Log/Music Library.pptx
@@ -9,6 +9,8 @@
     <p:sldId id="257" r:id="rId3"/>
     <p:sldId id="258" r:id="rId4"/>
     <p:sldId id="259" r:id="rId5"/>
+    <p:sldId id="260" r:id="rId6"/>
+    <p:sldId id="261" r:id="rId7"/>
   </p:sldIdLst>
   <p:sldSz cx="12192000" cy="6858000"/>
   <p:notesSz cx="6858000" cy="9144000"/>
@@ -107,6 +109,11 @@
       </a:defRPr>
     </a:lvl9pPr>
   </p:defaultTextStyle>
+  <p:extLst>
+    <p:ext uri="{EFAFB233-063F-42B5-8137-9DF3F51BA10A}">
+      <p15:sldGuideLst xmlns:p15="http://schemas.microsoft.com/office/powerpoint/2012/main"/>
+    </p:ext>
+  </p:extLst>
 </p:presentation>
 </file>
 
@@ -259,7 +266,7 @@
           <a:p>
             <a:fld id="{0506D139-8255-4032-8342-CDBE6BDAFC36}" type="datetimeFigureOut">
               <a:rPr lang="nl-NL" smtClean="0"/>
-              <a:t>29-3-2025</a:t>
+              <a:t>23-4-2025</a:t>
             </a:fld>
             <a:endParaRPr lang="nl-NL"/>
           </a:p>
@@ -459,7 +466,7 @@
           <a:p>
             <a:fld id="{0506D139-8255-4032-8342-CDBE6BDAFC36}" type="datetimeFigureOut">
               <a:rPr lang="nl-NL" smtClean="0"/>
-              <a:t>29-3-2025</a:t>
+              <a:t>23-4-2025</a:t>
             </a:fld>
             <a:endParaRPr lang="nl-NL"/>
           </a:p>
@@ -669,7 +676,7 @@
           <a:p>
             <a:fld id="{0506D139-8255-4032-8342-CDBE6BDAFC36}" type="datetimeFigureOut">
               <a:rPr lang="nl-NL" smtClean="0"/>
-              <a:t>29-3-2025</a:t>
+              <a:t>23-4-2025</a:t>
             </a:fld>
             <a:endParaRPr lang="nl-NL"/>
           </a:p>
@@ -869,7 +876,7 @@
           <a:p>
             <a:fld id="{0506D139-8255-4032-8342-CDBE6BDAFC36}" type="datetimeFigureOut">
               <a:rPr lang="nl-NL" smtClean="0"/>
-              <a:t>29-3-2025</a:t>
+              <a:t>23-4-2025</a:t>
             </a:fld>
             <a:endParaRPr lang="nl-NL"/>
           </a:p>
@@ -1145,7 +1152,7 @@
           <a:p>
             <a:fld id="{0506D139-8255-4032-8342-CDBE6BDAFC36}" type="datetimeFigureOut">
               <a:rPr lang="nl-NL" smtClean="0"/>
-              <a:t>29-3-2025</a:t>
+              <a:t>23-4-2025</a:t>
             </a:fld>
             <a:endParaRPr lang="nl-NL"/>
           </a:p>
@@ -1413,7 +1420,7 @@
           <a:p>
             <a:fld id="{0506D139-8255-4032-8342-CDBE6BDAFC36}" type="datetimeFigureOut">
               <a:rPr lang="nl-NL" smtClean="0"/>
-              <a:t>29-3-2025</a:t>
+              <a:t>23-4-2025</a:t>
             </a:fld>
             <a:endParaRPr lang="nl-NL"/>
           </a:p>
@@ -1828,7 +1835,7 @@
           <a:p>
             <a:fld id="{0506D139-8255-4032-8342-CDBE6BDAFC36}" type="datetimeFigureOut">
               <a:rPr lang="nl-NL" smtClean="0"/>
-              <a:t>29-3-2025</a:t>
+              <a:t>23-4-2025</a:t>
             </a:fld>
             <a:endParaRPr lang="nl-NL"/>
           </a:p>
@@ -1970,7 +1977,7 @@
           <a:p>
             <a:fld id="{0506D139-8255-4032-8342-CDBE6BDAFC36}" type="datetimeFigureOut">
               <a:rPr lang="nl-NL" smtClean="0"/>
-              <a:t>29-3-2025</a:t>
+              <a:t>23-4-2025</a:t>
             </a:fld>
             <a:endParaRPr lang="nl-NL"/>
           </a:p>
@@ -2083,7 +2090,7 @@
           <a:p>
             <a:fld id="{0506D139-8255-4032-8342-CDBE6BDAFC36}" type="datetimeFigureOut">
               <a:rPr lang="nl-NL" smtClean="0"/>
-              <a:t>29-3-2025</a:t>
+              <a:t>23-4-2025</a:t>
             </a:fld>
             <a:endParaRPr lang="nl-NL"/>
           </a:p>
@@ -2396,7 +2403,7 @@
           <a:p>
             <a:fld id="{0506D139-8255-4032-8342-CDBE6BDAFC36}" type="datetimeFigureOut">
               <a:rPr lang="nl-NL" smtClean="0"/>
-              <a:t>29-3-2025</a:t>
+              <a:t>23-4-2025</a:t>
             </a:fld>
             <a:endParaRPr lang="nl-NL"/>
           </a:p>
@@ -2685,7 +2692,7 @@
           <a:p>
             <a:fld id="{0506D139-8255-4032-8342-CDBE6BDAFC36}" type="datetimeFigureOut">
               <a:rPr lang="nl-NL" smtClean="0"/>
-              <a:t>29-3-2025</a:t>
+              <a:t>23-4-2025</a:t>
             </a:fld>
             <a:endParaRPr lang="nl-NL"/>
           </a:p>
@@ -2928,7 +2935,7 @@
           <a:p>
             <a:fld id="{0506D139-8255-4032-8342-CDBE6BDAFC36}" type="datetimeFigureOut">
               <a:rPr lang="nl-NL" smtClean="0"/>
-              <a:t>29-3-2025</a:t>
+              <a:t>23-4-2025</a:t>
             </a:fld>
             <a:endParaRPr lang="nl-NL"/>
           </a:p>
@@ -5093,6 +5100,786 @@
     <p:extLst>
       <p:ext uri="{BB962C8B-B14F-4D97-AF65-F5344CB8AC3E}">
         <p14:creationId xmlns:p14="http://schemas.microsoft.com/office/powerpoint/2010/main" val="4195682092"/>
+      </p:ext>
+    </p:extLst>
+  </p:cSld>
+  <p:clrMapOvr>
+    <a:masterClrMapping/>
+  </p:clrMapOvr>
+</p:sld>
+</file>
+
+<file path=ppt/slides/slide5.xml><?xml version="1.0" encoding="utf-8"?>
+<p:sld xmlns:a="http://schemas.openxmlformats.org/drawingml/2006/main" xmlns:r="http://schemas.openxmlformats.org/officeDocument/2006/relationships" xmlns:p="http://schemas.openxmlformats.org/presentationml/2006/main">
+  <p:cSld>
+    <p:spTree>
+      <p:nvGrpSpPr>
+        <p:cNvPr id="1" name=""/>
+        <p:cNvGrpSpPr/>
+        <p:nvPr/>
+      </p:nvGrpSpPr>
+      <p:grpSpPr>
+        <a:xfrm>
+          <a:off x="0" y="0"/>
+          <a:ext cx="0" cy="0"/>
+          <a:chOff x="0" y="0"/>
+          <a:chExt cx="0" cy="0"/>
+        </a:xfrm>
+      </p:grpSpPr>
+      <p:sp>
+        <p:nvSpPr>
+          <p:cNvPr id="2" name="Title 1">
+            <a:extLst>
+              <a:ext uri="{FF2B5EF4-FFF2-40B4-BE49-F238E27FC236}">
+                <a16:creationId xmlns:a16="http://schemas.microsoft.com/office/drawing/2014/main" id="{9F627155-AAA3-3A94-AD5C-AE55AD975176}"/>
+              </a:ext>
+            </a:extLst>
+          </p:cNvPr>
+          <p:cNvSpPr>
+            <a:spLocks noGrp="1"/>
+          </p:cNvSpPr>
+          <p:nvPr>
+            <p:ph type="title"/>
+          </p:nvPr>
+        </p:nvSpPr>
+        <p:spPr/>
+        <p:txBody>
+          <a:bodyPr/>
+          <a:lstStyle/>
+          <a:p>
+            <a:r>
+              <a:rPr lang="nl-NL" dirty="0" err="1"/>
+              <a:t>Temporary</a:t>
+            </a:r>
+            <a:r>
+              <a:rPr lang="nl-NL" dirty="0"/>
+              <a:t> solution</a:t>
+            </a:r>
+          </a:p>
+        </p:txBody>
+      </p:sp>
+      <p:sp>
+        <p:nvSpPr>
+          <p:cNvPr id="3" name="Content Placeholder 2">
+            <a:extLst>
+              <a:ext uri="{FF2B5EF4-FFF2-40B4-BE49-F238E27FC236}">
+                <a16:creationId xmlns:a16="http://schemas.microsoft.com/office/drawing/2014/main" id="{D0A534B8-937E-A128-5190-575C95043BE9}"/>
+              </a:ext>
+            </a:extLst>
+          </p:cNvPr>
+          <p:cNvSpPr>
+            <a:spLocks noGrp="1"/>
+          </p:cNvSpPr>
+          <p:nvPr>
+            <p:ph idx="1"/>
+          </p:nvPr>
+        </p:nvSpPr>
+        <p:spPr/>
+        <p:txBody>
+          <a:bodyPr/>
+          <a:lstStyle/>
+          <a:p>
+            <a:r>
+              <a:rPr lang="nl-NL" dirty="0" err="1"/>
+              <a:t>Modifying</a:t>
+            </a:r>
+            <a:r>
+              <a:rPr lang="nl-NL" dirty="0"/>
+              <a:t> </a:t>
+            </a:r>
+            <a:r>
+              <a:rPr lang="nl-NL" dirty="0" err="1"/>
+              <a:t>the</a:t>
+            </a:r>
+            <a:r>
+              <a:rPr lang="nl-NL" dirty="0"/>
+              <a:t> </a:t>
+            </a:r>
+            <a:r>
+              <a:rPr lang="nl-NL" dirty="0" err="1"/>
+              <a:t>traktor</a:t>
+            </a:r>
+            <a:r>
+              <a:rPr lang="nl-NL" dirty="0"/>
+              <a:t> </a:t>
+            </a:r>
+            <a:r>
+              <a:rPr lang="nl-NL" dirty="0" err="1"/>
+              <a:t>collection</a:t>
+            </a:r>
+            <a:r>
+              <a:rPr lang="nl-NL" dirty="0"/>
+              <a:t> file takes </a:t>
+            </a:r>
+            <a:r>
+              <a:rPr lang="nl-NL" dirty="0" err="1"/>
+              <a:t>quite</a:t>
+            </a:r>
+            <a:r>
+              <a:rPr lang="nl-NL" dirty="0"/>
+              <a:t> </a:t>
+            </a:r>
+            <a:r>
+              <a:rPr lang="nl-NL" dirty="0" err="1"/>
+              <a:t>some</a:t>
+            </a:r>
+            <a:r>
+              <a:rPr lang="nl-NL" dirty="0"/>
+              <a:t> time </a:t>
+            </a:r>
+            <a:r>
+              <a:rPr lang="nl-NL" dirty="0" err="1"/>
+              <a:t>to</a:t>
+            </a:r>
+            <a:r>
+              <a:rPr lang="nl-NL" dirty="0"/>
+              <a:t> </a:t>
+            </a:r>
+            <a:r>
+              <a:rPr lang="nl-NL" dirty="0" err="1"/>
+              <a:t>implement</a:t>
+            </a:r>
+            <a:endParaRPr lang="nl-NL" dirty="0"/>
+          </a:p>
+          <a:p>
+            <a:r>
+              <a:rPr lang="nl-NL" dirty="0"/>
+              <a:t>Make a list of </a:t>
+            </a:r>
+            <a:r>
+              <a:rPr lang="nl-NL" dirty="0" err="1"/>
+              <a:t>nameless</a:t>
+            </a:r>
+            <a:r>
+              <a:rPr lang="nl-NL" dirty="0"/>
+              <a:t> </a:t>
+            </a:r>
+            <a:r>
+              <a:rPr lang="nl-NL" dirty="0" err="1"/>
+              <a:t>playlist</a:t>
+            </a:r>
+            <a:r>
+              <a:rPr lang="nl-NL" dirty="0"/>
+              <a:t> </a:t>
+            </a:r>
+            <a:r>
+              <a:rPr lang="nl-NL" dirty="0" err="1"/>
+              <a:t>with</a:t>
+            </a:r>
+            <a:r>
+              <a:rPr lang="nl-NL" dirty="0"/>
+              <a:t> </a:t>
+            </a:r>
+            <a:r>
+              <a:rPr lang="nl-NL" dirty="0" err="1"/>
+              <a:t>UUIDs</a:t>
+            </a:r>
+            <a:r>
+              <a:rPr lang="nl-NL" dirty="0"/>
+              <a:t> </a:t>
+            </a:r>
+            <a:r>
+              <a:rPr lang="nl-NL" dirty="0" err="1"/>
+              <a:t>and</a:t>
+            </a:r>
+            <a:r>
+              <a:rPr lang="nl-NL" dirty="0"/>
+              <a:t> print </a:t>
+            </a:r>
+            <a:r>
+              <a:rPr lang="nl-NL" dirty="0" err="1"/>
+              <a:t>associated</a:t>
+            </a:r>
+            <a:r>
+              <a:rPr lang="nl-NL" dirty="0"/>
+              <a:t> barcodes</a:t>
+            </a:r>
+          </a:p>
+          <a:p>
+            <a:pPr lvl="1"/>
+            <a:r>
+              <a:rPr lang="nl-NL" dirty="0"/>
+              <a:t>We </a:t>
+            </a:r>
+            <a:r>
+              <a:rPr lang="nl-NL" dirty="0" err="1"/>
+              <a:t>allready</a:t>
+            </a:r>
+            <a:r>
+              <a:rPr lang="nl-NL" dirty="0"/>
+              <a:t> have </a:t>
+            </a:r>
+            <a:r>
+              <a:rPr lang="nl-NL" dirty="0" err="1"/>
+              <a:t>custom</a:t>
+            </a:r>
+            <a:r>
+              <a:rPr lang="nl-NL" dirty="0"/>
+              <a:t> </a:t>
+            </a:r>
+            <a:r>
+              <a:rPr lang="nl-NL" dirty="0" err="1"/>
+              <a:t>playlists</a:t>
+            </a:r>
+            <a:r>
+              <a:rPr lang="nl-NL" dirty="0"/>
+              <a:t> in </a:t>
+            </a:r>
+            <a:r>
+              <a:rPr lang="nl-NL" dirty="0" err="1"/>
+              <a:t>place</a:t>
+            </a:r>
+            <a:r>
+              <a:rPr lang="nl-NL" dirty="0"/>
+              <a:t>; we </a:t>
+            </a:r>
+            <a:r>
+              <a:rPr lang="nl-NL" dirty="0" err="1"/>
+              <a:t>need</a:t>
+            </a:r>
+            <a:r>
+              <a:rPr lang="nl-NL" dirty="0"/>
+              <a:t> </a:t>
+            </a:r>
+            <a:r>
+              <a:rPr lang="nl-NL" dirty="0" err="1"/>
+              <a:t>to</a:t>
+            </a:r>
+            <a:r>
+              <a:rPr lang="nl-NL" dirty="0"/>
+              <a:t> </a:t>
+            </a:r>
+            <a:r>
+              <a:rPr lang="nl-NL" dirty="0" err="1"/>
+              <a:t>disconnect</a:t>
+            </a:r>
+            <a:r>
+              <a:rPr lang="nl-NL" dirty="0"/>
+              <a:t> name </a:t>
+            </a:r>
+            <a:r>
+              <a:rPr lang="nl-NL" dirty="0" err="1"/>
+              <a:t>and</a:t>
+            </a:r>
+            <a:r>
+              <a:rPr lang="nl-NL" dirty="0"/>
+              <a:t> UUID</a:t>
+            </a:r>
+          </a:p>
+          <a:p>
+            <a:pPr lvl="1"/>
+            <a:r>
+              <a:rPr lang="nl-NL" dirty="0" err="1"/>
+              <a:t>Need</a:t>
+            </a:r>
+            <a:r>
+              <a:rPr lang="nl-NL" dirty="0"/>
+              <a:t> </a:t>
+            </a:r>
+            <a:r>
+              <a:rPr lang="nl-NL" dirty="0" err="1"/>
+              <a:t>to</a:t>
+            </a:r>
+            <a:r>
+              <a:rPr lang="nl-NL" dirty="0"/>
+              <a:t> make </a:t>
+            </a:r>
+            <a:r>
+              <a:rPr lang="nl-NL" dirty="0" err="1"/>
+              <a:t>it</a:t>
+            </a:r>
+            <a:r>
+              <a:rPr lang="nl-NL" dirty="0"/>
+              <a:t> easy </a:t>
+            </a:r>
+            <a:r>
+              <a:rPr lang="nl-NL" dirty="0" err="1"/>
+              <a:t>to</a:t>
+            </a:r>
+            <a:r>
+              <a:rPr lang="nl-NL" dirty="0"/>
+              <a:t> change </a:t>
+            </a:r>
+            <a:r>
+              <a:rPr lang="nl-NL" dirty="0" err="1"/>
+              <a:t>the</a:t>
+            </a:r>
+            <a:r>
+              <a:rPr lang="nl-NL" dirty="0"/>
+              <a:t> name of </a:t>
+            </a:r>
+            <a:r>
+              <a:rPr lang="nl-NL" dirty="0" err="1"/>
+              <a:t>the</a:t>
+            </a:r>
+            <a:r>
+              <a:rPr lang="nl-NL" dirty="0"/>
+              <a:t> </a:t>
+            </a:r>
+            <a:r>
+              <a:rPr lang="nl-NL" dirty="0" err="1"/>
+              <a:t>playlist</a:t>
+            </a:r>
+            <a:endParaRPr lang="nl-NL" dirty="0"/>
+          </a:p>
+          <a:p>
+            <a:pPr lvl="1"/>
+            <a:r>
+              <a:rPr lang="nl-NL" dirty="0" err="1"/>
+              <a:t>Need</a:t>
+            </a:r>
+            <a:r>
+              <a:rPr lang="nl-NL" dirty="0"/>
+              <a:t> </a:t>
+            </a:r>
+            <a:r>
+              <a:rPr lang="nl-NL" dirty="0" err="1"/>
+              <a:t>to</a:t>
+            </a:r>
+            <a:r>
+              <a:rPr lang="nl-NL" dirty="0"/>
+              <a:t> </a:t>
+            </a:r>
+            <a:r>
+              <a:rPr lang="nl-NL" dirty="0" err="1"/>
+              <a:t>distinguish</a:t>
+            </a:r>
+            <a:r>
+              <a:rPr lang="nl-NL" dirty="0"/>
+              <a:t> </a:t>
+            </a:r>
+            <a:r>
+              <a:rPr lang="nl-NL" dirty="0" err="1"/>
+              <a:t>between</a:t>
+            </a:r>
+            <a:r>
+              <a:rPr lang="nl-NL" dirty="0"/>
+              <a:t> special </a:t>
+            </a:r>
+            <a:r>
+              <a:rPr lang="nl-NL" dirty="0" err="1"/>
+              <a:t>and</a:t>
+            </a:r>
+            <a:r>
+              <a:rPr lang="nl-NL" dirty="0"/>
+              <a:t> </a:t>
+            </a:r>
+            <a:r>
+              <a:rPr lang="nl-NL" dirty="0" err="1"/>
+              <a:t>custom</a:t>
+            </a:r>
+            <a:r>
+              <a:rPr lang="nl-NL" dirty="0"/>
+              <a:t> </a:t>
+            </a:r>
+            <a:r>
+              <a:rPr lang="nl-NL" dirty="0" err="1"/>
+              <a:t>playlists</a:t>
+            </a:r>
+            <a:endParaRPr lang="nl-NL" dirty="0"/>
+          </a:p>
+          <a:p>
+            <a:pPr lvl="2"/>
+            <a:r>
+              <a:rPr lang="nl-NL" dirty="0"/>
+              <a:t>Special: </a:t>
+            </a:r>
+            <a:r>
+              <a:rPr lang="nl-NL" dirty="0" err="1"/>
+              <a:t>automatically</a:t>
+            </a:r>
+            <a:r>
+              <a:rPr lang="nl-NL" dirty="0"/>
+              <a:t> </a:t>
+            </a:r>
+            <a:r>
+              <a:rPr lang="nl-NL" dirty="0" err="1"/>
+              <a:t>generated</a:t>
+            </a:r>
+            <a:r>
+              <a:rPr lang="nl-NL" dirty="0"/>
+              <a:t>: E1, E2, </a:t>
+            </a:r>
+            <a:r>
+              <a:rPr lang="nl-NL" dirty="0" err="1"/>
+              <a:t>etc</a:t>
+            </a:r>
+            <a:r>
+              <a:rPr lang="nl-NL" dirty="0"/>
+              <a:t>; </a:t>
+            </a:r>
+            <a:r>
+              <a:rPr lang="nl-NL" dirty="0" err="1"/>
+              <a:t>session</a:t>
+            </a:r>
+            <a:r>
+              <a:rPr lang="nl-NL" dirty="0"/>
+              <a:t> </a:t>
+            </a:r>
+            <a:r>
+              <a:rPr lang="nl-NL" dirty="0" err="1"/>
+              <a:t>playlist</a:t>
+            </a:r>
+            <a:endParaRPr lang="nl-NL" dirty="0"/>
+          </a:p>
+          <a:p>
+            <a:pPr lvl="2"/>
+            <a:r>
+              <a:rPr lang="nl-NL" dirty="0" err="1"/>
+              <a:t>Custom</a:t>
+            </a:r>
+            <a:r>
+              <a:rPr lang="nl-NL" dirty="0"/>
+              <a:t>: </a:t>
+            </a:r>
+            <a:r>
+              <a:rPr lang="nl-NL" dirty="0" err="1"/>
+              <a:t>stored</a:t>
+            </a:r>
+            <a:r>
+              <a:rPr lang="nl-NL" dirty="0"/>
+              <a:t> </a:t>
+            </a:r>
+            <a:r>
+              <a:rPr lang="nl-NL" dirty="0" err="1"/>
+              <a:t>and</a:t>
+            </a:r>
+            <a:r>
+              <a:rPr lang="nl-NL" dirty="0"/>
+              <a:t> </a:t>
+            </a:r>
+            <a:r>
+              <a:rPr lang="nl-NL" dirty="0" err="1"/>
+              <a:t>retrieved</a:t>
+            </a:r>
+            <a:r>
+              <a:rPr lang="nl-NL" dirty="0"/>
+              <a:t>, songs </a:t>
+            </a:r>
+            <a:r>
+              <a:rPr lang="nl-NL" dirty="0" err="1"/>
+              <a:t>added</a:t>
+            </a:r>
+            <a:r>
+              <a:rPr lang="nl-NL" dirty="0"/>
+              <a:t> </a:t>
+            </a:r>
+            <a:r>
+              <a:rPr lang="nl-NL" dirty="0" err="1"/>
+              <a:t>by</a:t>
+            </a:r>
+            <a:r>
+              <a:rPr lang="nl-NL" dirty="0"/>
+              <a:t> user</a:t>
+            </a:r>
+          </a:p>
+          <a:p>
+            <a:pPr lvl="3"/>
+            <a:r>
+              <a:rPr lang="nl-NL" dirty="0" err="1"/>
+              <a:t>Added</a:t>
+            </a:r>
+            <a:r>
+              <a:rPr lang="nl-NL" dirty="0"/>
+              <a:t> </a:t>
+            </a:r>
+            <a:r>
+              <a:rPr lang="nl-NL" dirty="0" err="1"/>
+              <a:t>manually</a:t>
+            </a:r>
+            <a:endParaRPr lang="nl-NL" dirty="0"/>
+          </a:p>
+        </p:txBody>
+      </p:sp>
+    </p:spTree>
+    <p:extLst>
+      <p:ext uri="{BB962C8B-B14F-4D97-AF65-F5344CB8AC3E}">
+        <p14:creationId xmlns:p14="http://schemas.microsoft.com/office/powerpoint/2010/main" val="1248911224"/>
+      </p:ext>
+    </p:extLst>
+  </p:cSld>
+  <p:clrMapOvr>
+    <a:masterClrMapping/>
+  </p:clrMapOvr>
+</p:sld>
+</file>
+
+<file path=ppt/slides/slide6.xml><?xml version="1.0" encoding="utf-8"?>
+<p:sld xmlns:a="http://schemas.openxmlformats.org/drawingml/2006/main" xmlns:r="http://schemas.openxmlformats.org/officeDocument/2006/relationships" xmlns:p="http://schemas.openxmlformats.org/presentationml/2006/main">
+  <p:cSld>
+    <p:spTree>
+      <p:nvGrpSpPr>
+        <p:cNvPr id="1" name=""/>
+        <p:cNvGrpSpPr/>
+        <p:nvPr/>
+      </p:nvGrpSpPr>
+      <p:grpSpPr>
+        <a:xfrm>
+          <a:off x="0" y="0"/>
+          <a:ext cx="0" cy="0"/>
+          <a:chOff x="0" y="0"/>
+          <a:chExt cx="0" cy="0"/>
+        </a:xfrm>
+      </p:grpSpPr>
+      <p:sp>
+        <p:nvSpPr>
+          <p:cNvPr id="2" name="Title 1">
+            <a:extLst>
+              <a:ext uri="{FF2B5EF4-FFF2-40B4-BE49-F238E27FC236}">
+                <a16:creationId xmlns:a16="http://schemas.microsoft.com/office/drawing/2014/main" id="{87E954C1-30F7-60FB-992F-8C83A6ED9120}"/>
+              </a:ext>
+            </a:extLst>
+          </p:cNvPr>
+          <p:cNvSpPr>
+            <a:spLocks noGrp="1"/>
+          </p:cNvSpPr>
+          <p:nvPr>
+            <p:ph type="title"/>
+          </p:nvPr>
+        </p:nvSpPr>
+        <p:spPr/>
+        <p:txBody>
+          <a:bodyPr/>
+          <a:lstStyle/>
+          <a:p>
+            <a:r>
+              <a:rPr lang="nl-NL" dirty="0" err="1"/>
+              <a:t>Custom</a:t>
+            </a:r>
+            <a:r>
+              <a:rPr lang="nl-NL" dirty="0"/>
+              <a:t> </a:t>
+            </a:r>
+            <a:r>
+              <a:rPr lang="nl-NL" dirty="0" err="1"/>
+              <a:t>playlists</a:t>
+            </a:r>
+            <a:endParaRPr lang="nl-NL" dirty="0"/>
+          </a:p>
+        </p:txBody>
+      </p:sp>
+      <p:graphicFrame>
+        <p:nvGraphicFramePr>
+          <p:cNvPr id="4" name="Table 3">
+            <a:extLst>
+              <a:ext uri="{FF2B5EF4-FFF2-40B4-BE49-F238E27FC236}">
+                <a16:creationId xmlns:a16="http://schemas.microsoft.com/office/drawing/2014/main" id="{A02AE5E7-028A-0A30-4EE2-5FC64CDD5885}"/>
+              </a:ext>
+            </a:extLst>
+          </p:cNvPr>
+          <p:cNvGraphicFramePr>
+            <a:graphicFrameLocks noGrp="1"/>
+          </p:cNvGraphicFramePr>
+          <p:nvPr>
+            <p:extLst>
+              <p:ext uri="{D42A27DB-BD31-4B8C-83A1-F6EECF244321}">
+                <p14:modId xmlns:p14="http://schemas.microsoft.com/office/powerpoint/2010/main" val="158376004"/>
+              </p:ext>
+            </p:extLst>
+          </p:nvPr>
+        </p:nvGraphicFramePr>
+        <p:xfrm>
+          <a:off x="1611376" y="1762082"/>
+          <a:ext cx="8128000" cy="2225040"/>
+        </p:xfrm>
+        <a:graphic>
+          <a:graphicData uri="http://schemas.openxmlformats.org/drawingml/2006/table">
+            <a:tbl>
+              <a:tblPr firstRow="1" bandRow="1">
+                <a:tableStyleId>{5C22544A-7EE6-4342-B048-85BDC9FD1C3A}</a:tableStyleId>
+              </a:tblPr>
+              <a:tblGrid>
+                <a:gridCol w="4064000">
+                  <a:extLst>
+                    <a:ext uri="{9D8B030D-6E8A-4147-A177-3AD203B41FA5}">
+                      <a16:colId xmlns:a16="http://schemas.microsoft.com/office/drawing/2014/main" val="2305248823"/>
+                    </a:ext>
+                  </a:extLst>
+                </a:gridCol>
+                <a:gridCol w="4064000">
+                  <a:extLst>
+                    <a:ext uri="{9D8B030D-6E8A-4147-A177-3AD203B41FA5}">
+                      <a16:colId xmlns:a16="http://schemas.microsoft.com/office/drawing/2014/main" val="3481106676"/>
+                    </a:ext>
+                  </a:extLst>
+                </a:gridCol>
+              </a:tblGrid>
+              <a:tr h="370840">
+                <a:tc>
+                  <a:txBody>
+                    <a:bodyPr/>
+                    <a:lstStyle/>
+                    <a:p>
+                      <a:r>
+                        <a:rPr lang="nl-NL" dirty="0"/>
+                        <a:t>UUID</a:t>
+                      </a:r>
+                    </a:p>
+                  </a:txBody>
+                  <a:tcPr/>
+                </a:tc>
+                <a:tc>
+                  <a:txBody>
+                    <a:bodyPr/>
+                    <a:lstStyle/>
+                    <a:p>
+                      <a:r>
+                        <a:rPr lang="nl-NL" dirty="0"/>
+                        <a:t>Name</a:t>
+                      </a:r>
+                    </a:p>
+                  </a:txBody>
+                  <a:tcPr/>
+                </a:tc>
+                <a:extLst>
+                  <a:ext uri="{0D108BD9-81ED-4DB2-BD59-A6C34878D82A}">
+                    <a16:rowId xmlns:a16="http://schemas.microsoft.com/office/drawing/2014/main" val="1585065313"/>
+                  </a:ext>
+                </a:extLst>
+              </a:tr>
+              <a:tr h="370840">
+                <a:tc>
+                  <a:txBody>
+                    <a:bodyPr/>
+                    <a:lstStyle/>
+                    <a:p>
+                      <a:endParaRPr lang="nl-NL" dirty="0"/>
+                    </a:p>
+                  </a:txBody>
+                  <a:tcPr/>
+                </a:tc>
+                <a:tc>
+                  <a:txBody>
+                    <a:bodyPr/>
+                    <a:lstStyle/>
+                    <a:p>
+                      <a:endParaRPr lang="nl-NL"/>
+                    </a:p>
+                  </a:txBody>
+                  <a:tcPr/>
+                </a:tc>
+                <a:extLst>
+                  <a:ext uri="{0D108BD9-81ED-4DB2-BD59-A6C34878D82A}">
+                    <a16:rowId xmlns:a16="http://schemas.microsoft.com/office/drawing/2014/main" val="1809024299"/>
+                  </a:ext>
+                </a:extLst>
+              </a:tr>
+              <a:tr h="370840">
+                <a:tc>
+                  <a:txBody>
+                    <a:bodyPr/>
+                    <a:lstStyle/>
+                    <a:p>
+                      <a:endParaRPr lang="nl-NL"/>
+                    </a:p>
+                  </a:txBody>
+                  <a:tcPr/>
+                </a:tc>
+                <a:tc>
+                  <a:txBody>
+                    <a:bodyPr/>
+                    <a:lstStyle/>
+                    <a:p>
+                      <a:endParaRPr lang="nl-NL"/>
+                    </a:p>
+                  </a:txBody>
+                  <a:tcPr/>
+                </a:tc>
+                <a:extLst>
+                  <a:ext uri="{0D108BD9-81ED-4DB2-BD59-A6C34878D82A}">
+                    <a16:rowId xmlns:a16="http://schemas.microsoft.com/office/drawing/2014/main" val="212383704"/>
+                  </a:ext>
+                </a:extLst>
+              </a:tr>
+              <a:tr h="370840">
+                <a:tc>
+                  <a:txBody>
+                    <a:bodyPr/>
+                    <a:lstStyle/>
+                    <a:p>
+                      <a:endParaRPr lang="nl-NL"/>
+                    </a:p>
+                  </a:txBody>
+                  <a:tcPr/>
+                </a:tc>
+                <a:tc>
+                  <a:txBody>
+                    <a:bodyPr/>
+                    <a:lstStyle/>
+                    <a:p>
+                      <a:endParaRPr lang="nl-NL"/>
+                    </a:p>
+                  </a:txBody>
+                  <a:tcPr/>
+                </a:tc>
+                <a:extLst>
+                  <a:ext uri="{0D108BD9-81ED-4DB2-BD59-A6C34878D82A}">
+                    <a16:rowId xmlns:a16="http://schemas.microsoft.com/office/drawing/2014/main" val="1929658889"/>
+                  </a:ext>
+                </a:extLst>
+              </a:tr>
+              <a:tr h="370840">
+                <a:tc>
+                  <a:txBody>
+                    <a:bodyPr/>
+                    <a:lstStyle/>
+                    <a:p>
+                      <a:endParaRPr lang="nl-NL"/>
+                    </a:p>
+                  </a:txBody>
+                  <a:tcPr/>
+                </a:tc>
+                <a:tc>
+                  <a:txBody>
+                    <a:bodyPr/>
+                    <a:lstStyle/>
+                    <a:p>
+                      <a:endParaRPr lang="nl-NL"/>
+                    </a:p>
+                  </a:txBody>
+                  <a:tcPr/>
+                </a:tc>
+                <a:extLst>
+                  <a:ext uri="{0D108BD9-81ED-4DB2-BD59-A6C34878D82A}">
+                    <a16:rowId xmlns:a16="http://schemas.microsoft.com/office/drawing/2014/main" val="4111455040"/>
+                  </a:ext>
+                </a:extLst>
+              </a:tr>
+              <a:tr h="370840">
+                <a:tc>
+                  <a:txBody>
+                    <a:bodyPr/>
+                    <a:lstStyle/>
+                    <a:p>
+                      <a:endParaRPr lang="nl-NL"/>
+                    </a:p>
+                  </a:txBody>
+                  <a:tcPr/>
+                </a:tc>
+                <a:tc>
+                  <a:txBody>
+                    <a:bodyPr/>
+                    <a:lstStyle/>
+                    <a:p>
+                      <a:endParaRPr lang="nl-NL" dirty="0"/>
+                    </a:p>
+                  </a:txBody>
+                  <a:tcPr/>
+                </a:tc>
+                <a:extLst>
+                  <a:ext uri="{0D108BD9-81ED-4DB2-BD59-A6C34878D82A}">
+                    <a16:rowId xmlns:a16="http://schemas.microsoft.com/office/drawing/2014/main" val="102220629"/>
+                  </a:ext>
+                </a:extLst>
+              </a:tr>
+            </a:tbl>
+          </a:graphicData>
+        </a:graphic>
+      </p:graphicFrame>
+    </p:spTree>
+    <p:extLst>
+      <p:ext uri="{BB962C8B-B14F-4D97-AF65-F5344CB8AC3E}">
+        <p14:creationId xmlns:p14="http://schemas.microsoft.com/office/powerpoint/2010/main" val="1957822881"/>
       </p:ext>
     </p:extLst>
   </p:cSld>

--- a/Design Log/Music Library.pptx
+++ b/Design Log/Music Library.pptx
@@ -266,7 +266,7 @@
           <a:p>
             <a:fld id="{0506D139-8255-4032-8342-CDBE6BDAFC36}" type="datetimeFigureOut">
               <a:rPr lang="nl-NL" smtClean="0"/>
-              <a:t>23-4-2025</a:t>
+              <a:t>24-4-2025</a:t>
             </a:fld>
             <a:endParaRPr lang="nl-NL"/>
           </a:p>
@@ -466,7 +466,7 @@
           <a:p>
             <a:fld id="{0506D139-8255-4032-8342-CDBE6BDAFC36}" type="datetimeFigureOut">
               <a:rPr lang="nl-NL" smtClean="0"/>
-              <a:t>23-4-2025</a:t>
+              <a:t>24-4-2025</a:t>
             </a:fld>
             <a:endParaRPr lang="nl-NL"/>
           </a:p>
@@ -676,7 +676,7 @@
           <a:p>
             <a:fld id="{0506D139-8255-4032-8342-CDBE6BDAFC36}" type="datetimeFigureOut">
               <a:rPr lang="nl-NL" smtClean="0"/>
-              <a:t>23-4-2025</a:t>
+              <a:t>24-4-2025</a:t>
             </a:fld>
             <a:endParaRPr lang="nl-NL"/>
           </a:p>
@@ -876,7 +876,7 @@
           <a:p>
             <a:fld id="{0506D139-8255-4032-8342-CDBE6BDAFC36}" type="datetimeFigureOut">
               <a:rPr lang="nl-NL" smtClean="0"/>
-              <a:t>23-4-2025</a:t>
+              <a:t>24-4-2025</a:t>
             </a:fld>
             <a:endParaRPr lang="nl-NL"/>
           </a:p>
@@ -1152,7 +1152,7 @@
           <a:p>
             <a:fld id="{0506D139-8255-4032-8342-CDBE6BDAFC36}" type="datetimeFigureOut">
               <a:rPr lang="nl-NL" smtClean="0"/>
-              <a:t>23-4-2025</a:t>
+              <a:t>24-4-2025</a:t>
             </a:fld>
             <a:endParaRPr lang="nl-NL"/>
           </a:p>
@@ -1420,7 +1420,7 @@
           <a:p>
             <a:fld id="{0506D139-8255-4032-8342-CDBE6BDAFC36}" type="datetimeFigureOut">
               <a:rPr lang="nl-NL" smtClean="0"/>
-              <a:t>23-4-2025</a:t>
+              <a:t>24-4-2025</a:t>
             </a:fld>
             <a:endParaRPr lang="nl-NL"/>
           </a:p>
@@ -1835,7 +1835,7 @@
           <a:p>
             <a:fld id="{0506D139-8255-4032-8342-CDBE6BDAFC36}" type="datetimeFigureOut">
               <a:rPr lang="nl-NL" smtClean="0"/>
-              <a:t>23-4-2025</a:t>
+              <a:t>24-4-2025</a:t>
             </a:fld>
             <a:endParaRPr lang="nl-NL"/>
           </a:p>
@@ -1977,7 +1977,7 @@
           <a:p>
             <a:fld id="{0506D139-8255-4032-8342-CDBE6BDAFC36}" type="datetimeFigureOut">
               <a:rPr lang="nl-NL" smtClean="0"/>
-              <a:t>23-4-2025</a:t>
+              <a:t>24-4-2025</a:t>
             </a:fld>
             <a:endParaRPr lang="nl-NL"/>
           </a:p>
@@ -2090,7 +2090,7 @@
           <a:p>
             <a:fld id="{0506D139-8255-4032-8342-CDBE6BDAFC36}" type="datetimeFigureOut">
               <a:rPr lang="nl-NL" smtClean="0"/>
-              <a:t>23-4-2025</a:t>
+              <a:t>24-4-2025</a:t>
             </a:fld>
             <a:endParaRPr lang="nl-NL"/>
           </a:p>
@@ -2403,7 +2403,7 @@
           <a:p>
             <a:fld id="{0506D139-8255-4032-8342-CDBE6BDAFC36}" type="datetimeFigureOut">
               <a:rPr lang="nl-NL" smtClean="0"/>
-              <a:t>23-4-2025</a:t>
+              <a:t>24-4-2025</a:t>
             </a:fld>
             <a:endParaRPr lang="nl-NL"/>
           </a:p>
@@ -2692,7 +2692,7 @@
           <a:p>
             <a:fld id="{0506D139-8255-4032-8342-CDBE6BDAFC36}" type="datetimeFigureOut">
               <a:rPr lang="nl-NL" smtClean="0"/>
-              <a:t>23-4-2025</a:t>
+              <a:t>24-4-2025</a:t>
             </a:fld>
             <a:endParaRPr lang="nl-NL"/>
           </a:p>
@@ -2935,7 +2935,7 @@
           <a:p>
             <a:fld id="{0506D139-8255-4032-8342-CDBE6BDAFC36}" type="datetimeFigureOut">
               <a:rPr lang="nl-NL" smtClean="0"/>
-              <a:t>23-4-2025</a:t>
+              <a:t>24-4-2025</a:t>
             </a:fld>
             <a:endParaRPr lang="nl-NL"/>
           </a:p>
@@ -5673,14 +5673,14 @@
           <p:nvPr>
             <p:extLst>
               <p:ext uri="{D42A27DB-BD31-4B8C-83A1-F6EECF244321}">
-                <p14:modId xmlns:p14="http://schemas.microsoft.com/office/powerpoint/2010/main" val="158376004"/>
+                <p14:modId xmlns:p14="http://schemas.microsoft.com/office/powerpoint/2010/main" val="1113962394"/>
               </p:ext>
             </p:extLst>
           </p:nvPr>
         </p:nvGraphicFramePr>
         <p:xfrm>
-          <a:off x="1611376" y="1762082"/>
-          <a:ext cx="8128000" cy="2225040"/>
+          <a:off x="5168392" y="228600"/>
+          <a:ext cx="6599936" cy="6400800"/>
         </p:xfrm>
         <a:graphic>
           <a:graphicData uri="http://schemas.openxmlformats.org/drawingml/2006/table">
@@ -5689,14 +5689,14 @@
                 <a:tableStyleId>{5C22544A-7EE6-4342-B048-85BDC9FD1C3A}</a:tableStyleId>
               </a:tblPr>
               <a:tblGrid>
-                <a:gridCol w="4064000">
+                <a:gridCol w="3299968">
                   <a:extLst>
                     <a:ext uri="{9D8B030D-6E8A-4147-A177-3AD203B41FA5}">
                       <a16:colId xmlns:a16="http://schemas.microsoft.com/office/drawing/2014/main" val="2305248823"/>
                     </a:ext>
                   </a:extLst>
                 </a:gridCol>
-                <a:gridCol w="4064000">
+                <a:gridCol w="3299968">
                   <a:extLst>
                     <a:ext uri="{9D8B030D-6E8A-4147-A177-3AD203B41FA5}">
                       <a16:colId xmlns:a16="http://schemas.microsoft.com/office/drawing/2014/main" val="3481106676"/>
@@ -5704,14 +5704,14 @@
                   </a:extLst>
                 </a:gridCol>
               </a:tblGrid>
-              <a:tr h="370840">
+              <a:tr h="288000">
                 <a:tc>
                   <a:txBody>
                     <a:bodyPr/>
                     <a:lstStyle/>
                     <a:p>
                       <a:r>
-                        <a:rPr lang="nl-NL" dirty="0"/>
+                        <a:rPr lang="nl-NL" sz="1400" dirty="0"/>
                         <a:t>UUID</a:t>
                       </a:r>
                     </a:p>
@@ -5724,7 +5724,7 @@
                     <a:lstStyle/>
                     <a:p>
                       <a:r>
-                        <a:rPr lang="nl-NL" dirty="0"/>
+                        <a:rPr lang="nl-NL" sz="1400" dirty="0"/>
                         <a:t>Name</a:t>
                       </a:r>
                     </a:p>
@@ -5737,23 +5737,26 @@
                   </a:ext>
                 </a:extLst>
               </a:tr>
-              <a:tr h="370840">
+              <a:tr h="304800">
                 <a:tc>
                   <a:txBody>
                     <a:bodyPr/>
                     <a:lstStyle/>
                     <a:p>
-                      <a:endParaRPr lang="nl-NL" dirty="0"/>
+                      <a:r>
+                        <a:rPr lang="nl-NL" sz="1050" dirty="0"/>
+                        <a:t>1e0f57a1b3d24d0cbd5e6ffb5e37359f</a:t>
+                      </a:r>
                     </a:p>
                   </a:txBody>
-                  <a:tcPr/>
+                  <a:tcPr marL="51802" marR="51802" marT="25901" marB="25901" anchor="ctr"/>
                 </a:tc>
                 <a:tc>
                   <a:txBody>
                     <a:bodyPr/>
                     <a:lstStyle/>
                     <a:p>
-                      <a:endParaRPr lang="nl-NL"/>
+                      <a:endParaRPr lang="nl-NL" sz="1400" dirty="0"/>
                     </a:p>
                   </a:txBody>
                   <a:tcPr/>
@@ -5764,23 +5767,56 @@
                   </a:ext>
                 </a:extLst>
               </a:tr>
-              <a:tr h="370840">
+              <a:tr h="304800">
                 <a:tc>
                   <a:txBody>
                     <a:bodyPr/>
                     <a:lstStyle/>
                     <a:p>
-                      <a:endParaRPr lang="nl-NL"/>
+                      <a:r>
+                        <a:rPr lang="nl-NL" sz="1050" dirty="0"/>
+                        <a:t>3e4fdbaedb7a4087bbd6a67c276a1b89</a:t>
+                      </a:r>
                     </a:p>
                   </a:txBody>
-                  <a:tcPr/>
+                  <a:tcPr marL="51802" marR="51802" marT="25901" marB="25901" anchor="ctr"/>
                 </a:tc>
                 <a:tc>
                   <a:txBody>
                     <a:bodyPr/>
                     <a:lstStyle/>
                     <a:p>
-                      <a:endParaRPr lang="nl-NL"/>
+                      <a:endParaRPr lang="nl-NL" sz="1400" dirty="0"/>
+                    </a:p>
+                  </a:txBody>
+                  <a:tcPr/>
+                </a:tc>
+                <a:extLst>
+                  <a:ext uri="{0D108BD9-81ED-4DB2-BD59-A6C34878D82A}">
+                    <a16:rowId xmlns:a16="http://schemas.microsoft.com/office/drawing/2014/main" val="2769459513"/>
+                  </a:ext>
+                </a:extLst>
+              </a:tr>
+              <a:tr h="304800">
+                <a:tc>
+                  <a:txBody>
+                    <a:bodyPr/>
+                    <a:lstStyle/>
+                    <a:p>
+                      <a:r>
+                        <a:rPr lang="nl-NL" sz="1050" dirty="0"/>
+                        <a:t>d1b663b69d374d91b7a59a7bce27413b</a:t>
+                      </a:r>
+                    </a:p>
+                  </a:txBody>
+                  <a:tcPr marL="51802" marR="51802" marT="25901" marB="25901" anchor="ctr"/>
+                </a:tc>
+                <a:tc>
+                  <a:txBody>
+                    <a:bodyPr/>
+                    <a:lstStyle/>
+                    <a:p>
+                      <a:endParaRPr lang="nl-NL" sz="1400"/>
                     </a:p>
                   </a:txBody>
                   <a:tcPr/>
@@ -5791,23 +5827,26 @@
                   </a:ext>
                 </a:extLst>
               </a:tr>
-              <a:tr h="370840">
+              <a:tr h="304800">
                 <a:tc>
                   <a:txBody>
                     <a:bodyPr/>
                     <a:lstStyle/>
                     <a:p>
-                      <a:endParaRPr lang="nl-NL"/>
+                      <a:r>
+                        <a:rPr lang="nl-NL" sz="1050" dirty="0"/>
+                        <a:t>33d1c4e9c937404086768998f384e44f</a:t>
+                      </a:r>
                     </a:p>
                   </a:txBody>
-                  <a:tcPr/>
+                  <a:tcPr marL="51802" marR="51802" marT="25901" marB="25901" anchor="ctr"/>
                 </a:tc>
                 <a:tc>
                   <a:txBody>
                     <a:bodyPr/>
                     <a:lstStyle/>
                     <a:p>
-                      <a:endParaRPr lang="nl-NL"/>
+                      <a:endParaRPr lang="nl-NL" sz="1400"/>
                     </a:p>
                   </a:txBody>
                   <a:tcPr/>
@@ -5818,23 +5857,26 @@
                   </a:ext>
                 </a:extLst>
               </a:tr>
-              <a:tr h="370840">
+              <a:tr h="304800">
                 <a:tc>
                   <a:txBody>
                     <a:bodyPr/>
                     <a:lstStyle/>
                     <a:p>
-                      <a:endParaRPr lang="nl-NL"/>
+                      <a:r>
+                        <a:rPr lang="nl-NL" sz="1050" dirty="0"/>
+                        <a:t>0ceffb32db8048b4b51f8301b70f296e</a:t>
+                      </a:r>
                     </a:p>
                   </a:txBody>
-                  <a:tcPr/>
+                  <a:tcPr marL="51802" marR="51802" marT="25901" marB="25901" anchor="ctr"/>
                 </a:tc>
                 <a:tc>
                   <a:txBody>
                     <a:bodyPr/>
                     <a:lstStyle/>
                     <a:p>
-                      <a:endParaRPr lang="nl-NL"/>
+                      <a:endParaRPr lang="nl-NL" sz="1400"/>
                     </a:p>
                   </a:txBody>
                   <a:tcPr/>
@@ -5845,23 +5887,26 @@
                   </a:ext>
                 </a:extLst>
               </a:tr>
-              <a:tr h="370840">
+              <a:tr h="304800">
                 <a:tc>
                   <a:txBody>
                     <a:bodyPr/>
                     <a:lstStyle/>
                     <a:p>
-                      <a:endParaRPr lang="nl-NL"/>
+                      <a:r>
+                        <a:rPr lang="nl-NL" sz="1050" dirty="0"/>
+                        <a:t>fc4cb05b5da442e983019388a2b8e3c5</a:t>
+                      </a:r>
                     </a:p>
                   </a:txBody>
-                  <a:tcPr/>
+                  <a:tcPr marL="51802" marR="51802" marT="25901" marB="25901" anchor="ctr"/>
                 </a:tc>
                 <a:tc>
                   <a:txBody>
                     <a:bodyPr/>
                     <a:lstStyle/>
                     <a:p>
-                      <a:endParaRPr lang="nl-NL" dirty="0"/>
+                      <a:endParaRPr lang="nl-NL" sz="1400" dirty="0"/>
                     </a:p>
                   </a:txBody>
                   <a:tcPr/>
@@ -5872,10 +5917,604 @@
                   </a:ext>
                 </a:extLst>
               </a:tr>
+              <a:tr h="304800">
+                <a:tc>
+                  <a:txBody>
+                    <a:bodyPr/>
+                    <a:lstStyle/>
+                    <a:p>
+                      <a:r>
+                        <a:rPr lang="nl-NL" sz="1050" dirty="0"/>
+                        <a:t>7eb4c269c3644c0ba1bfe2a62a57db9f</a:t>
+                      </a:r>
+                    </a:p>
+                  </a:txBody>
+                  <a:tcPr marL="51802" marR="51802" marT="25901" marB="25901" anchor="ctr"/>
+                </a:tc>
+                <a:tc>
+                  <a:txBody>
+                    <a:bodyPr/>
+                    <a:lstStyle/>
+                    <a:p>
+                      <a:endParaRPr lang="nl-NL" sz="1400" dirty="0"/>
+                    </a:p>
+                  </a:txBody>
+                  <a:tcPr/>
+                </a:tc>
+                <a:extLst>
+                  <a:ext uri="{0D108BD9-81ED-4DB2-BD59-A6C34878D82A}">
+                    <a16:rowId xmlns:a16="http://schemas.microsoft.com/office/drawing/2014/main" val="2565796194"/>
+                  </a:ext>
+                </a:extLst>
+              </a:tr>
+              <a:tr h="304800">
+                <a:tc>
+                  <a:txBody>
+                    <a:bodyPr/>
+                    <a:lstStyle/>
+                    <a:p>
+                      <a:r>
+                        <a:rPr lang="nl-NL" sz="1050" dirty="0"/>
+                        <a:t>4173cbf5574f4b92827a2d51e7b7d6ed</a:t>
+                      </a:r>
+                    </a:p>
+                  </a:txBody>
+                  <a:tcPr marL="51802" marR="51802" marT="25901" marB="25901" anchor="ctr"/>
+                </a:tc>
+                <a:tc>
+                  <a:txBody>
+                    <a:bodyPr/>
+                    <a:lstStyle/>
+                    <a:p>
+                      <a:endParaRPr lang="nl-NL" sz="1400" dirty="0"/>
+                    </a:p>
+                  </a:txBody>
+                  <a:tcPr/>
+                </a:tc>
+                <a:extLst>
+                  <a:ext uri="{0D108BD9-81ED-4DB2-BD59-A6C34878D82A}">
+                    <a16:rowId xmlns:a16="http://schemas.microsoft.com/office/drawing/2014/main" val="557058850"/>
+                  </a:ext>
+                </a:extLst>
+              </a:tr>
+              <a:tr h="304800">
+                <a:tc>
+                  <a:txBody>
+                    <a:bodyPr/>
+                    <a:lstStyle/>
+                    <a:p>
+                      <a:r>
+                        <a:rPr lang="nl-NL" sz="1050" dirty="0"/>
+                        <a:t>1e256130a8ff43c8844a8d3d56f37a71</a:t>
+                      </a:r>
+                    </a:p>
+                  </a:txBody>
+                  <a:tcPr marL="51802" marR="51802" marT="25901" marB="25901" anchor="ctr"/>
+                </a:tc>
+                <a:tc>
+                  <a:txBody>
+                    <a:bodyPr/>
+                    <a:lstStyle/>
+                    <a:p>
+                      <a:endParaRPr lang="nl-NL" sz="1400" dirty="0"/>
+                    </a:p>
+                  </a:txBody>
+                  <a:tcPr/>
+                </a:tc>
+                <a:extLst>
+                  <a:ext uri="{0D108BD9-81ED-4DB2-BD59-A6C34878D82A}">
+                    <a16:rowId xmlns:a16="http://schemas.microsoft.com/office/drawing/2014/main" val="904533670"/>
+                  </a:ext>
+                </a:extLst>
+              </a:tr>
+              <a:tr h="304800">
+                <a:tc>
+                  <a:txBody>
+                    <a:bodyPr/>
+                    <a:lstStyle/>
+                    <a:p>
+                      <a:r>
+                        <a:rPr lang="nl-NL" sz="1050" dirty="0"/>
+                        <a:t>dcbe7e16fbc54a88b6a29339bfcaf0d9</a:t>
+                      </a:r>
+                    </a:p>
+                  </a:txBody>
+                  <a:tcPr marL="51802" marR="51802" marT="25901" marB="25901" anchor="ctr"/>
+                </a:tc>
+                <a:tc>
+                  <a:txBody>
+                    <a:bodyPr/>
+                    <a:lstStyle/>
+                    <a:p>
+                      <a:endParaRPr lang="nl-NL" sz="1400" dirty="0"/>
+                    </a:p>
+                  </a:txBody>
+                  <a:tcPr/>
+                </a:tc>
+                <a:extLst>
+                  <a:ext uri="{0D108BD9-81ED-4DB2-BD59-A6C34878D82A}">
+                    <a16:rowId xmlns:a16="http://schemas.microsoft.com/office/drawing/2014/main" val="2219083643"/>
+                  </a:ext>
+                </a:extLst>
+              </a:tr>
+              <a:tr h="304800">
+                <a:tc>
+                  <a:txBody>
+                    <a:bodyPr/>
+                    <a:lstStyle/>
+                    <a:p>
+                      <a:r>
+                        <a:rPr lang="nl-NL" sz="1050" dirty="0"/>
+                        <a:t>5e180153c08445f7bff4f81c157f3de7</a:t>
+                      </a:r>
+                    </a:p>
+                  </a:txBody>
+                  <a:tcPr marL="51802" marR="51802" marT="25901" marB="25901" anchor="ctr"/>
+                </a:tc>
+                <a:tc>
+                  <a:txBody>
+                    <a:bodyPr/>
+                    <a:lstStyle/>
+                    <a:p>
+                      <a:endParaRPr lang="nl-NL" sz="1400" dirty="0"/>
+                    </a:p>
+                  </a:txBody>
+                  <a:tcPr/>
+                </a:tc>
+                <a:extLst>
+                  <a:ext uri="{0D108BD9-81ED-4DB2-BD59-A6C34878D82A}">
+                    <a16:rowId xmlns:a16="http://schemas.microsoft.com/office/drawing/2014/main" val="280738697"/>
+                  </a:ext>
+                </a:extLst>
+              </a:tr>
+              <a:tr h="304800">
+                <a:tc>
+                  <a:txBody>
+                    <a:bodyPr/>
+                    <a:lstStyle/>
+                    <a:p>
+                      <a:r>
+                        <a:rPr lang="nl-NL" sz="1050" dirty="0"/>
+                        <a:t>a3a0df06dbd54069ae2380045b5eb6d4</a:t>
+                      </a:r>
+                    </a:p>
+                  </a:txBody>
+                  <a:tcPr marL="51802" marR="51802" marT="25901" marB="25901" anchor="ctr"/>
+                </a:tc>
+                <a:tc>
+                  <a:txBody>
+                    <a:bodyPr/>
+                    <a:lstStyle/>
+                    <a:p>
+                      <a:endParaRPr lang="nl-NL" sz="1400" dirty="0"/>
+                    </a:p>
+                  </a:txBody>
+                  <a:tcPr/>
+                </a:tc>
+                <a:extLst>
+                  <a:ext uri="{0D108BD9-81ED-4DB2-BD59-A6C34878D82A}">
+                    <a16:rowId xmlns:a16="http://schemas.microsoft.com/office/drawing/2014/main" val="2952587154"/>
+                  </a:ext>
+                </a:extLst>
+              </a:tr>
+              <a:tr h="304800">
+                <a:tc>
+                  <a:txBody>
+                    <a:bodyPr/>
+                    <a:lstStyle/>
+                    <a:p>
+                      <a:r>
+                        <a:rPr lang="nl-NL" sz="1050" dirty="0"/>
+                        <a:t>f0f86c15c3a940e9a3c93b4a66d3f37d</a:t>
+                      </a:r>
+                    </a:p>
+                  </a:txBody>
+                  <a:tcPr marL="51802" marR="51802" marT="25901" marB="25901" anchor="ctr"/>
+                </a:tc>
+                <a:tc>
+                  <a:txBody>
+                    <a:bodyPr/>
+                    <a:lstStyle/>
+                    <a:p>
+                      <a:endParaRPr lang="nl-NL" sz="1400" dirty="0"/>
+                    </a:p>
+                  </a:txBody>
+                  <a:tcPr/>
+                </a:tc>
+                <a:extLst>
+                  <a:ext uri="{0D108BD9-81ED-4DB2-BD59-A6C34878D82A}">
+                    <a16:rowId xmlns:a16="http://schemas.microsoft.com/office/drawing/2014/main" val="3962432362"/>
+                  </a:ext>
+                </a:extLst>
+              </a:tr>
+              <a:tr h="304800">
+                <a:tc>
+                  <a:txBody>
+                    <a:bodyPr/>
+                    <a:lstStyle/>
+                    <a:p>
+                      <a:r>
+                        <a:rPr lang="nl-NL" sz="1050" dirty="0"/>
+                        <a:t>e0f01e9a67c04b54a9fc40442909a126</a:t>
+                      </a:r>
+                    </a:p>
+                  </a:txBody>
+                  <a:tcPr marL="51802" marR="51802" marT="25901" marB="25901" anchor="ctr"/>
+                </a:tc>
+                <a:tc>
+                  <a:txBody>
+                    <a:bodyPr/>
+                    <a:lstStyle/>
+                    <a:p>
+                      <a:endParaRPr lang="nl-NL" sz="1400" dirty="0"/>
+                    </a:p>
+                  </a:txBody>
+                  <a:tcPr/>
+                </a:tc>
+                <a:extLst>
+                  <a:ext uri="{0D108BD9-81ED-4DB2-BD59-A6C34878D82A}">
+                    <a16:rowId xmlns:a16="http://schemas.microsoft.com/office/drawing/2014/main" val="2365823780"/>
+                  </a:ext>
+                </a:extLst>
+              </a:tr>
+              <a:tr h="304800">
+                <a:tc>
+                  <a:txBody>
+                    <a:bodyPr/>
+                    <a:lstStyle/>
+                    <a:p>
+                      <a:r>
+                        <a:rPr lang="nl-NL" sz="1050" dirty="0"/>
+                        <a:t>e2178794fa8b43b2a14c0709b4aa4b46</a:t>
+                      </a:r>
+                    </a:p>
+                  </a:txBody>
+                  <a:tcPr marL="51802" marR="51802" marT="25901" marB="25901" anchor="ctr"/>
+                </a:tc>
+                <a:tc>
+                  <a:txBody>
+                    <a:bodyPr/>
+                    <a:lstStyle/>
+                    <a:p>
+                      <a:endParaRPr lang="nl-NL" sz="1400" dirty="0"/>
+                    </a:p>
+                  </a:txBody>
+                  <a:tcPr/>
+                </a:tc>
+                <a:extLst>
+                  <a:ext uri="{0D108BD9-81ED-4DB2-BD59-A6C34878D82A}">
+                    <a16:rowId xmlns:a16="http://schemas.microsoft.com/office/drawing/2014/main" val="4292865977"/>
+                  </a:ext>
+                </a:extLst>
+              </a:tr>
+              <a:tr h="304800">
+                <a:tc>
+                  <a:txBody>
+                    <a:bodyPr/>
+                    <a:lstStyle/>
+                    <a:p>
+                      <a:r>
+                        <a:rPr lang="nl-NL" sz="1050" dirty="0"/>
+                        <a:t>f3fc5d2e0f4e47018f8c79c3be85f9aa</a:t>
+                      </a:r>
+                    </a:p>
+                  </a:txBody>
+                  <a:tcPr marL="51802" marR="51802" marT="25901" marB="25901" anchor="ctr"/>
+                </a:tc>
+                <a:tc>
+                  <a:txBody>
+                    <a:bodyPr/>
+                    <a:lstStyle/>
+                    <a:p>
+                      <a:endParaRPr lang="nl-NL" sz="1400" dirty="0"/>
+                    </a:p>
+                  </a:txBody>
+                  <a:tcPr/>
+                </a:tc>
+                <a:extLst>
+                  <a:ext uri="{0D108BD9-81ED-4DB2-BD59-A6C34878D82A}">
+                    <a16:rowId xmlns:a16="http://schemas.microsoft.com/office/drawing/2014/main" val="540210645"/>
+                  </a:ext>
+                </a:extLst>
+              </a:tr>
+              <a:tr h="304800">
+                <a:tc>
+                  <a:txBody>
+                    <a:bodyPr/>
+                    <a:lstStyle/>
+                    <a:p>
+                      <a:r>
+                        <a:rPr lang="nl-NL" sz="1050" dirty="0"/>
+                        <a:t>a559f9023a024249a498249407013a32</a:t>
+                      </a:r>
+                    </a:p>
+                  </a:txBody>
+                  <a:tcPr marL="51802" marR="51802" marT="25901" marB="25901" anchor="ctr"/>
+                </a:tc>
+                <a:tc>
+                  <a:txBody>
+                    <a:bodyPr/>
+                    <a:lstStyle/>
+                    <a:p>
+                      <a:endParaRPr lang="nl-NL" sz="1400" dirty="0"/>
+                    </a:p>
+                  </a:txBody>
+                  <a:tcPr/>
+                </a:tc>
+                <a:extLst>
+                  <a:ext uri="{0D108BD9-81ED-4DB2-BD59-A6C34878D82A}">
+                    <a16:rowId xmlns:a16="http://schemas.microsoft.com/office/drawing/2014/main" val="2193209723"/>
+                  </a:ext>
+                </a:extLst>
+              </a:tr>
+              <a:tr h="304800">
+                <a:tc>
+                  <a:txBody>
+                    <a:bodyPr/>
+                    <a:lstStyle/>
+                    <a:p>
+                      <a:r>
+                        <a:rPr lang="nl-NL" sz="1050" dirty="0"/>
+                        <a:t>84ad0adfb49f4185a77a81697a3ea12d</a:t>
+                      </a:r>
+                    </a:p>
+                  </a:txBody>
+                  <a:tcPr marL="51802" marR="51802" marT="25901" marB="25901" anchor="ctr"/>
+                </a:tc>
+                <a:tc>
+                  <a:txBody>
+                    <a:bodyPr/>
+                    <a:lstStyle/>
+                    <a:p>
+                      <a:endParaRPr lang="nl-NL" sz="1400" dirty="0"/>
+                    </a:p>
+                  </a:txBody>
+                  <a:tcPr/>
+                </a:tc>
+                <a:extLst>
+                  <a:ext uri="{0D108BD9-81ED-4DB2-BD59-A6C34878D82A}">
+                    <a16:rowId xmlns:a16="http://schemas.microsoft.com/office/drawing/2014/main" val="2638911229"/>
+                  </a:ext>
+                </a:extLst>
+              </a:tr>
+              <a:tr h="304800">
+                <a:tc>
+                  <a:txBody>
+                    <a:bodyPr/>
+                    <a:lstStyle/>
+                    <a:p>
+                      <a:r>
+                        <a:rPr lang="nl-NL" sz="1050" dirty="0"/>
+                        <a:t>90a8367b0d164a57806b171ed05f2da8</a:t>
+                      </a:r>
+                    </a:p>
+                  </a:txBody>
+                  <a:tcPr marL="51802" marR="51802" marT="25901" marB="25901" anchor="ctr"/>
+                </a:tc>
+                <a:tc>
+                  <a:txBody>
+                    <a:bodyPr/>
+                    <a:lstStyle/>
+                    <a:p>
+                      <a:endParaRPr lang="nl-NL" sz="1400" dirty="0"/>
+                    </a:p>
+                  </a:txBody>
+                  <a:tcPr/>
+                </a:tc>
+                <a:extLst>
+                  <a:ext uri="{0D108BD9-81ED-4DB2-BD59-A6C34878D82A}">
+                    <a16:rowId xmlns:a16="http://schemas.microsoft.com/office/drawing/2014/main" val="1598418896"/>
+                  </a:ext>
+                </a:extLst>
+              </a:tr>
+              <a:tr h="304800">
+                <a:tc>
+                  <a:txBody>
+                    <a:bodyPr/>
+                    <a:lstStyle/>
+                    <a:p>
+                      <a:r>
+                        <a:rPr lang="nl-NL" sz="1050" dirty="0"/>
+                        <a:t>23963e325e4147d2bd8cfce8323d2e88</a:t>
+                      </a:r>
+                    </a:p>
+                  </a:txBody>
+                  <a:tcPr marL="51802" marR="51802" marT="25901" marB="25901" anchor="ctr"/>
+                </a:tc>
+                <a:tc>
+                  <a:txBody>
+                    <a:bodyPr/>
+                    <a:lstStyle/>
+                    <a:p>
+                      <a:endParaRPr lang="nl-NL" sz="1400" dirty="0"/>
+                    </a:p>
+                  </a:txBody>
+                  <a:tcPr/>
+                </a:tc>
+                <a:extLst>
+                  <a:ext uri="{0D108BD9-81ED-4DB2-BD59-A6C34878D82A}">
+                    <a16:rowId xmlns:a16="http://schemas.microsoft.com/office/drawing/2014/main" val="3980510688"/>
+                  </a:ext>
+                </a:extLst>
+              </a:tr>
             </a:tbl>
           </a:graphicData>
         </a:graphic>
       </p:graphicFrame>
+      <p:sp>
+        <p:nvSpPr>
+          <p:cNvPr id="7" name="TextBox 6">
+            <a:extLst>
+              <a:ext uri="{FF2B5EF4-FFF2-40B4-BE49-F238E27FC236}">
+                <a16:creationId xmlns:a16="http://schemas.microsoft.com/office/drawing/2014/main" id="{B48CDFF0-0D3D-01A4-2697-36884164E358}"/>
+              </a:ext>
+            </a:extLst>
+          </p:cNvPr>
+          <p:cNvSpPr txBox="1"/>
+          <p:nvPr/>
+        </p:nvSpPr>
+        <p:spPr>
+          <a:xfrm>
+            <a:off x="1225296" y="1892808"/>
+            <a:ext cx="3456432" cy="2308324"/>
+          </a:xfrm>
+          <a:prstGeom prst="rect">
+            <a:avLst/>
+          </a:prstGeom>
+          <a:noFill/>
+        </p:spPr>
+        <p:txBody>
+          <a:bodyPr wrap="square" rtlCol="0">
+            <a:spAutoFit/>
+          </a:bodyPr>
+          <a:lstStyle/>
+          <a:p>
+            <a:r>
+              <a:rPr lang="nl-NL" dirty="0"/>
+              <a:t>I </a:t>
+            </a:r>
+            <a:r>
+              <a:rPr lang="nl-NL" dirty="0" err="1"/>
+              <a:t>generated</a:t>
+            </a:r>
+            <a:r>
+              <a:rPr lang="nl-NL" dirty="0"/>
+              <a:t> </a:t>
+            </a:r>
+            <a:r>
+              <a:rPr lang="nl-NL" dirty="0" err="1"/>
+              <a:t>them</a:t>
+            </a:r>
+            <a:r>
+              <a:rPr lang="nl-NL" dirty="0"/>
+              <a:t> </a:t>
+            </a:r>
+            <a:r>
+              <a:rPr lang="nl-NL" dirty="0" err="1"/>
+              <a:t>with</a:t>
+            </a:r>
+            <a:r>
+              <a:rPr lang="nl-NL" dirty="0"/>
+              <a:t> </a:t>
+            </a:r>
+            <a:r>
+              <a:rPr lang="nl-NL" dirty="0" err="1"/>
+              <a:t>ChatGPT</a:t>
+            </a:r>
+            <a:r>
+              <a:rPr lang="nl-NL" dirty="0"/>
+              <a:t>, </a:t>
+            </a:r>
+            <a:r>
+              <a:rPr lang="nl-NL" dirty="0" err="1"/>
+              <a:t>and</a:t>
+            </a:r>
+            <a:r>
+              <a:rPr lang="nl-NL" dirty="0"/>
+              <a:t> </a:t>
+            </a:r>
+            <a:r>
+              <a:rPr lang="nl-NL" dirty="0" err="1"/>
+              <a:t>checked</a:t>
+            </a:r>
+            <a:r>
+              <a:rPr lang="nl-NL" dirty="0"/>
+              <a:t> </a:t>
+            </a:r>
+            <a:r>
+              <a:rPr lang="nl-NL" dirty="0" err="1"/>
+              <a:t>if</a:t>
+            </a:r>
+            <a:r>
+              <a:rPr lang="nl-NL" dirty="0"/>
+              <a:t> </a:t>
+            </a:r>
+            <a:r>
+              <a:rPr lang="nl-NL" dirty="0" err="1"/>
+              <a:t>they</a:t>
+            </a:r>
+            <a:r>
+              <a:rPr lang="nl-NL" dirty="0"/>
+              <a:t> are </a:t>
+            </a:r>
+            <a:r>
+              <a:rPr lang="nl-NL" dirty="0" err="1"/>
+              <a:t>unique</a:t>
+            </a:r>
+            <a:r>
+              <a:rPr lang="nl-NL" dirty="0"/>
+              <a:t> </a:t>
+            </a:r>
+            <a:r>
+              <a:rPr lang="nl-NL" dirty="0" err="1"/>
+              <a:t>using</a:t>
+            </a:r>
+            <a:endParaRPr lang="nl-NL" dirty="0"/>
+          </a:p>
+          <a:p>
+            <a:r>
+              <a:rPr lang="nl-NL" dirty="0"/>
+              <a:t> ~</a:t>
+            </a:r>
+            <a:r>
+              <a:rPr lang="nl-NL" dirty="0" err="1"/>
+              <a:t>musicLibrary.playlists.leafDo</a:t>
+            </a:r>
+            <a:r>
+              <a:rPr lang="nl-NL" dirty="0"/>
+              <a:t>({|item| </a:t>
+            </a:r>
+            <a:r>
+              <a:rPr lang="nl-NL" dirty="0" err="1"/>
+              <a:t>if</a:t>
+            </a:r>
+            <a:r>
+              <a:rPr lang="nl-NL" dirty="0"/>
+              <a:t>(</a:t>
+            </a:r>
+            <a:r>
+              <a:rPr lang="nl-NL" dirty="0" err="1"/>
+              <a:t>item.class</a:t>
+            </a:r>
+            <a:r>
+              <a:rPr lang="nl-NL" dirty="0"/>
+              <a:t> == Playlist){</a:t>
+            </a:r>
+            <a:r>
+              <a:rPr lang="nl-NL" dirty="0" err="1"/>
+              <a:t>if</a:t>
+            </a:r>
+            <a:r>
+              <a:rPr lang="nl-NL" dirty="0"/>
+              <a:t>(~</a:t>
+            </a:r>
+            <a:r>
+              <a:rPr lang="nl-NL" dirty="0" err="1"/>
+              <a:t>newUUIDs.includes</a:t>
+            </a:r>
+            <a:r>
+              <a:rPr lang="nl-NL" dirty="0"/>
+              <a:t>(</a:t>
+            </a:r>
+            <a:r>
+              <a:rPr lang="nl-NL" dirty="0" err="1"/>
+              <a:t>item.uuId</a:t>
+            </a:r>
+            <a:r>
+              <a:rPr lang="nl-NL" dirty="0"/>
+              <a:t>)){</a:t>
+            </a:r>
+            <a:r>
+              <a:rPr lang="nl-NL" dirty="0" err="1"/>
+              <a:t>item.name.postln</a:t>
+            </a:r>
+            <a:r>
+              <a:rPr lang="nl-NL" dirty="0"/>
+              <a:t>}}});</a:t>
+            </a:r>
+          </a:p>
+        </p:txBody>
+      </p:sp>
     </p:spTree>
     <p:extLst>
       <p:ext uri="{BB962C8B-B14F-4D97-AF65-F5344CB8AC3E}">

--- a/Design Log/Music Library.pptx
+++ b/Design Log/Music Library.pptx
@@ -4,6 +4,9 @@
   <p:sldMasterIdLst>
     <p:sldMasterId id="2147483648" r:id="rId1"/>
   </p:sldMasterIdLst>
+  <p:notesMasterIdLst>
+    <p:notesMasterId r:id="rId13"/>
+  </p:notesMasterIdLst>
   <p:sldIdLst>
     <p:sldId id="256" r:id="rId2"/>
     <p:sldId id="257" r:id="rId3"/>
@@ -11,6 +14,11 @@
     <p:sldId id="259" r:id="rId5"/>
     <p:sldId id="260" r:id="rId6"/>
     <p:sldId id="261" r:id="rId7"/>
+    <p:sldId id="262" r:id="rId8"/>
+    <p:sldId id="263" r:id="rId9"/>
+    <p:sldId id="264" r:id="rId10"/>
+    <p:sldId id="265" r:id="rId11"/>
+    <p:sldId id="266" r:id="rId12"/>
   </p:sldIdLst>
   <p:sldSz cx="12192000" cy="6858000"/>
   <p:notesSz cx="6858000" cy="9144000"/>
@@ -117,6 +125,440 @@
 </p:presentation>
 </file>
 
+<file path=ppt/notesMasters/notesMaster1.xml><?xml version="1.0" encoding="utf-8"?>
+<p:notesMaster xmlns:a="http://schemas.openxmlformats.org/drawingml/2006/main" xmlns:r="http://schemas.openxmlformats.org/officeDocument/2006/relationships" xmlns:p="http://schemas.openxmlformats.org/presentationml/2006/main">
+  <p:cSld>
+    <p:bg>
+      <p:bgRef idx="1001">
+        <a:schemeClr val="bg1"/>
+      </p:bgRef>
+    </p:bg>
+    <p:spTree>
+      <p:nvGrpSpPr>
+        <p:cNvPr id="1" name=""/>
+        <p:cNvGrpSpPr/>
+        <p:nvPr/>
+      </p:nvGrpSpPr>
+      <p:grpSpPr>
+        <a:xfrm>
+          <a:off x="0" y="0"/>
+          <a:ext cx="0" cy="0"/>
+          <a:chOff x="0" y="0"/>
+          <a:chExt cx="0" cy="0"/>
+        </a:xfrm>
+      </p:grpSpPr>
+      <p:sp>
+        <p:nvSpPr>
+          <p:cNvPr id="2" name="Header Placeholder 1"/>
+          <p:cNvSpPr>
+            <a:spLocks noGrp="1"/>
+          </p:cNvSpPr>
+          <p:nvPr>
+            <p:ph type="hdr" sz="quarter"/>
+          </p:nvPr>
+        </p:nvSpPr>
+        <p:spPr>
+          <a:xfrm>
+            <a:off x="0" y="0"/>
+            <a:ext cx="2971800" cy="458788"/>
+          </a:xfrm>
+          <a:prstGeom prst="rect">
+            <a:avLst/>
+          </a:prstGeom>
+        </p:spPr>
+        <p:txBody>
+          <a:bodyPr vert="horz" lIns="91440" tIns="45720" rIns="91440" bIns="45720" rtlCol="0"/>
+          <a:lstStyle>
+            <a:lvl1pPr algn="l">
+              <a:defRPr sz="1200"/>
+            </a:lvl1pPr>
+          </a:lstStyle>
+          <a:p>
+            <a:endParaRPr lang="nl-NL"/>
+          </a:p>
+        </p:txBody>
+      </p:sp>
+      <p:sp>
+        <p:nvSpPr>
+          <p:cNvPr id="3" name="Date Placeholder 2"/>
+          <p:cNvSpPr>
+            <a:spLocks noGrp="1"/>
+          </p:cNvSpPr>
+          <p:nvPr>
+            <p:ph type="dt" idx="1"/>
+          </p:nvPr>
+        </p:nvSpPr>
+        <p:spPr>
+          <a:xfrm>
+            <a:off x="3884613" y="0"/>
+            <a:ext cx="2971800" cy="458788"/>
+          </a:xfrm>
+          <a:prstGeom prst="rect">
+            <a:avLst/>
+          </a:prstGeom>
+        </p:spPr>
+        <p:txBody>
+          <a:bodyPr vert="horz" lIns="91440" tIns="45720" rIns="91440" bIns="45720" rtlCol="0"/>
+          <a:lstStyle>
+            <a:lvl1pPr algn="r">
+              <a:defRPr sz="1200"/>
+            </a:lvl1pPr>
+          </a:lstStyle>
+          <a:p>
+            <a:fld id="{69EAFAAE-CE2E-4AA9-83BD-55884CEF3EFD}" type="datetimeFigureOut">
+              <a:rPr lang="nl-NL" smtClean="0"/>
+              <a:t>25-4-2025</a:t>
+            </a:fld>
+            <a:endParaRPr lang="nl-NL"/>
+          </a:p>
+        </p:txBody>
+      </p:sp>
+      <p:sp>
+        <p:nvSpPr>
+          <p:cNvPr id="4" name="Slide Image Placeholder 3"/>
+          <p:cNvSpPr>
+            <a:spLocks noGrp="1" noRot="1" noChangeAspect="1"/>
+          </p:cNvSpPr>
+          <p:nvPr>
+            <p:ph type="sldImg" idx="2"/>
+          </p:nvPr>
+        </p:nvSpPr>
+        <p:spPr>
+          <a:xfrm>
+            <a:off x="685800" y="1143000"/>
+            <a:ext cx="5486400" cy="3086100"/>
+          </a:xfrm>
+          <a:prstGeom prst="rect">
+            <a:avLst/>
+          </a:prstGeom>
+          <a:noFill/>
+          <a:ln w="12700">
+            <a:solidFill>
+              <a:prstClr val="black"/>
+            </a:solidFill>
+          </a:ln>
+        </p:spPr>
+        <p:txBody>
+          <a:bodyPr vert="horz" lIns="91440" tIns="45720" rIns="91440" bIns="45720" rtlCol="0" anchor="ctr"/>
+          <a:lstStyle/>
+          <a:p>
+            <a:endParaRPr lang="nl-NL"/>
+          </a:p>
+        </p:txBody>
+      </p:sp>
+      <p:sp>
+        <p:nvSpPr>
+          <p:cNvPr id="5" name="Notes Placeholder 4"/>
+          <p:cNvSpPr>
+            <a:spLocks noGrp="1"/>
+          </p:cNvSpPr>
+          <p:nvPr>
+            <p:ph type="body" sz="quarter" idx="3"/>
+          </p:nvPr>
+        </p:nvSpPr>
+        <p:spPr>
+          <a:xfrm>
+            <a:off x="685800" y="4400550"/>
+            <a:ext cx="5486400" cy="3600450"/>
+          </a:xfrm>
+          <a:prstGeom prst="rect">
+            <a:avLst/>
+          </a:prstGeom>
+        </p:spPr>
+        <p:txBody>
+          <a:bodyPr vert="horz" lIns="91440" tIns="45720" rIns="91440" bIns="45720" rtlCol="0"/>
+          <a:lstStyle/>
+          <a:p>
+            <a:pPr lvl="0"/>
+            <a:r>
+              <a:rPr lang="en-US"/>
+              <a:t>Click to edit Master text styles</a:t>
+            </a:r>
+          </a:p>
+          <a:p>
+            <a:pPr lvl="1"/>
+            <a:r>
+              <a:rPr lang="en-US"/>
+              <a:t>Second level</a:t>
+            </a:r>
+          </a:p>
+          <a:p>
+            <a:pPr lvl="2"/>
+            <a:r>
+              <a:rPr lang="en-US"/>
+              <a:t>Third level</a:t>
+            </a:r>
+          </a:p>
+          <a:p>
+            <a:pPr lvl="3"/>
+            <a:r>
+              <a:rPr lang="en-US"/>
+              <a:t>Fourth level</a:t>
+            </a:r>
+          </a:p>
+          <a:p>
+            <a:pPr lvl="4"/>
+            <a:r>
+              <a:rPr lang="en-US"/>
+              <a:t>Fifth level</a:t>
+            </a:r>
+            <a:endParaRPr lang="nl-NL"/>
+          </a:p>
+        </p:txBody>
+      </p:sp>
+      <p:sp>
+        <p:nvSpPr>
+          <p:cNvPr id="6" name="Footer Placeholder 5"/>
+          <p:cNvSpPr>
+            <a:spLocks noGrp="1"/>
+          </p:cNvSpPr>
+          <p:nvPr>
+            <p:ph type="ftr" sz="quarter" idx="4"/>
+          </p:nvPr>
+        </p:nvSpPr>
+        <p:spPr>
+          <a:xfrm>
+            <a:off x="0" y="8685213"/>
+            <a:ext cx="2971800" cy="458787"/>
+          </a:xfrm>
+          <a:prstGeom prst="rect">
+            <a:avLst/>
+          </a:prstGeom>
+        </p:spPr>
+        <p:txBody>
+          <a:bodyPr vert="horz" lIns="91440" tIns="45720" rIns="91440" bIns="45720" rtlCol="0" anchor="b"/>
+          <a:lstStyle>
+            <a:lvl1pPr algn="l">
+              <a:defRPr sz="1200"/>
+            </a:lvl1pPr>
+          </a:lstStyle>
+          <a:p>
+            <a:endParaRPr lang="nl-NL"/>
+          </a:p>
+        </p:txBody>
+      </p:sp>
+      <p:sp>
+        <p:nvSpPr>
+          <p:cNvPr id="7" name="Slide Number Placeholder 6"/>
+          <p:cNvSpPr>
+            <a:spLocks noGrp="1"/>
+          </p:cNvSpPr>
+          <p:nvPr>
+            <p:ph type="sldNum" sz="quarter" idx="5"/>
+          </p:nvPr>
+        </p:nvSpPr>
+        <p:spPr>
+          <a:xfrm>
+            <a:off x="3884613" y="8685213"/>
+            <a:ext cx="2971800" cy="458787"/>
+          </a:xfrm>
+          <a:prstGeom prst="rect">
+            <a:avLst/>
+          </a:prstGeom>
+        </p:spPr>
+        <p:txBody>
+          <a:bodyPr vert="horz" lIns="91440" tIns="45720" rIns="91440" bIns="45720" rtlCol="0" anchor="b"/>
+          <a:lstStyle>
+            <a:lvl1pPr algn="r">
+              <a:defRPr sz="1200"/>
+            </a:lvl1pPr>
+          </a:lstStyle>
+          <a:p>
+            <a:fld id="{7A282268-7929-47D7-82CF-C37566B4B8ED}" type="slidenum">
+              <a:rPr lang="nl-NL" smtClean="0"/>
+              <a:t>‹#›</a:t>
+            </a:fld>
+            <a:endParaRPr lang="nl-NL"/>
+          </a:p>
+        </p:txBody>
+      </p:sp>
+    </p:spTree>
+    <p:extLst>
+      <p:ext uri="{BB962C8B-B14F-4D97-AF65-F5344CB8AC3E}">
+        <p14:creationId xmlns:p14="http://schemas.microsoft.com/office/powerpoint/2010/main" val="1791130527"/>
+      </p:ext>
+    </p:extLst>
+  </p:cSld>
+  <p:clrMap bg1="lt1" tx1="dk1" bg2="lt2" tx2="dk2" accent1="accent1" accent2="accent2" accent3="accent3" accent4="accent4" accent5="accent5" accent6="accent6" hlink="hlink" folHlink="folHlink"/>
+  <p:notesStyle>
+    <a:lvl1pPr marL="0" algn="l" defTabSz="914400" rtl="0" eaLnBrk="1" latinLnBrk="0" hangingPunct="1">
+      <a:defRPr sz="1200" kern="1200">
+        <a:solidFill>
+          <a:schemeClr val="tx1"/>
+        </a:solidFill>
+        <a:latin typeface="+mn-lt"/>
+        <a:ea typeface="+mn-ea"/>
+        <a:cs typeface="+mn-cs"/>
+      </a:defRPr>
+    </a:lvl1pPr>
+    <a:lvl2pPr marL="457200" algn="l" defTabSz="914400" rtl="0" eaLnBrk="1" latinLnBrk="0" hangingPunct="1">
+      <a:defRPr sz="1200" kern="1200">
+        <a:solidFill>
+          <a:schemeClr val="tx1"/>
+        </a:solidFill>
+        <a:latin typeface="+mn-lt"/>
+        <a:ea typeface="+mn-ea"/>
+        <a:cs typeface="+mn-cs"/>
+      </a:defRPr>
+    </a:lvl2pPr>
+    <a:lvl3pPr marL="914400" algn="l" defTabSz="914400" rtl="0" eaLnBrk="1" latinLnBrk="0" hangingPunct="1">
+      <a:defRPr sz="1200" kern="1200">
+        <a:solidFill>
+          <a:schemeClr val="tx1"/>
+        </a:solidFill>
+        <a:latin typeface="+mn-lt"/>
+        <a:ea typeface="+mn-ea"/>
+        <a:cs typeface="+mn-cs"/>
+      </a:defRPr>
+    </a:lvl3pPr>
+    <a:lvl4pPr marL="1371600" algn="l" defTabSz="914400" rtl="0" eaLnBrk="1" latinLnBrk="0" hangingPunct="1">
+      <a:defRPr sz="1200" kern="1200">
+        <a:solidFill>
+          <a:schemeClr val="tx1"/>
+        </a:solidFill>
+        <a:latin typeface="+mn-lt"/>
+        <a:ea typeface="+mn-ea"/>
+        <a:cs typeface="+mn-cs"/>
+      </a:defRPr>
+    </a:lvl4pPr>
+    <a:lvl5pPr marL="1828800" algn="l" defTabSz="914400" rtl="0" eaLnBrk="1" latinLnBrk="0" hangingPunct="1">
+      <a:defRPr sz="1200" kern="1200">
+        <a:solidFill>
+          <a:schemeClr val="tx1"/>
+        </a:solidFill>
+        <a:latin typeface="+mn-lt"/>
+        <a:ea typeface="+mn-ea"/>
+        <a:cs typeface="+mn-cs"/>
+      </a:defRPr>
+    </a:lvl5pPr>
+    <a:lvl6pPr marL="2286000" algn="l" defTabSz="914400" rtl="0" eaLnBrk="1" latinLnBrk="0" hangingPunct="1">
+      <a:defRPr sz="1200" kern="1200">
+        <a:solidFill>
+          <a:schemeClr val="tx1"/>
+        </a:solidFill>
+        <a:latin typeface="+mn-lt"/>
+        <a:ea typeface="+mn-ea"/>
+        <a:cs typeface="+mn-cs"/>
+      </a:defRPr>
+    </a:lvl6pPr>
+    <a:lvl7pPr marL="2743200" algn="l" defTabSz="914400" rtl="0" eaLnBrk="1" latinLnBrk="0" hangingPunct="1">
+      <a:defRPr sz="1200" kern="1200">
+        <a:solidFill>
+          <a:schemeClr val="tx1"/>
+        </a:solidFill>
+        <a:latin typeface="+mn-lt"/>
+        <a:ea typeface="+mn-ea"/>
+        <a:cs typeface="+mn-cs"/>
+      </a:defRPr>
+    </a:lvl7pPr>
+    <a:lvl8pPr marL="3200400" algn="l" defTabSz="914400" rtl="0" eaLnBrk="1" latinLnBrk="0" hangingPunct="1">
+      <a:defRPr sz="1200" kern="1200">
+        <a:solidFill>
+          <a:schemeClr val="tx1"/>
+        </a:solidFill>
+        <a:latin typeface="+mn-lt"/>
+        <a:ea typeface="+mn-ea"/>
+        <a:cs typeface="+mn-cs"/>
+      </a:defRPr>
+    </a:lvl8pPr>
+    <a:lvl9pPr marL="3657600" algn="l" defTabSz="914400" rtl="0" eaLnBrk="1" latinLnBrk="0" hangingPunct="1">
+      <a:defRPr sz="1200" kern="1200">
+        <a:solidFill>
+          <a:schemeClr val="tx1"/>
+        </a:solidFill>
+        <a:latin typeface="+mn-lt"/>
+        <a:ea typeface="+mn-ea"/>
+        <a:cs typeface="+mn-cs"/>
+      </a:defRPr>
+    </a:lvl9pPr>
+  </p:notesStyle>
+</p:notesMaster>
+</file>
+
+<file path=ppt/notesSlides/notesSlide1.xml><?xml version="1.0" encoding="utf-8"?>
+<p:notes xmlns:a="http://schemas.openxmlformats.org/drawingml/2006/main" xmlns:r="http://schemas.openxmlformats.org/officeDocument/2006/relationships" xmlns:p="http://schemas.openxmlformats.org/presentationml/2006/main">
+  <p:cSld>
+    <p:spTree>
+      <p:nvGrpSpPr>
+        <p:cNvPr id="1" name=""/>
+        <p:cNvGrpSpPr/>
+        <p:nvPr/>
+      </p:nvGrpSpPr>
+      <p:grpSpPr>
+        <a:xfrm>
+          <a:off x="0" y="0"/>
+          <a:ext cx="0" cy="0"/>
+          <a:chOff x="0" y="0"/>
+          <a:chExt cx="0" cy="0"/>
+        </a:xfrm>
+      </p:grpSpPr>
+      <p:sp>
+        <p:nvSpPr>
+          <p:cNvPr id="2" name="Slide Image Placeholder 1"/>
+          <p:cNvSpPr>
+            <a:spLocks noGrp="1" noRot="1" noChangeAspect="1"/>
+          </p:cNvSpPr>
+          <p:nvPr>
+            <p:ph type="sldImg"/>
+          </p:nvPr>
+        </p:nvSpPr>
+        <p:spPr/>
+      </p:sp>
+      <p:sp>
+        <p:nvSpPr>
+          <p:cNvPr id="3" name="Notes Placeholder 2"/>
+          <p:cNvSpPr>
+            <a:spLocks noGrp="1"/>
+          </p:cNvSpPr>
+          <p:nvPr>
+            <p:ph type="body" idx="1"/>
+          </p:nvPr>
+        </p:nvSpPr>
+        <p:spPr/>
+        <p:txBody>
+          <a:bodyPr/>
+          <a:lstStyle/>
+          <a:p>
+            <a:endParaRPr lang="nl-NL" dirty="0"/>
+          </a:p>
+        </p:txBody>
+      </p:sp>
+      <p:sp>
+        <p:nvSpPr>
+          <p:cNvPr id="4" name="Slide Number Placeholder 3"/>
+          <p:cNvSpPr>
+            <a:spLocks noGrp="1"/>
+          </p:cNvSpPr>
+          <p:nvPr>
+            <p:ph type="sldNum" sz="quarter" idx="5"/>
+          </p:nvPr>
+        </p:nvSpPr>
+        <p:spPr/>
+        <p:txBody>
+          <a:bodyPr/>
+          <a:lstStyle/>
+          <a:p>
+            <a:fld id="{7A282268-7929-47D7-82CF-C37566B4B8ED}" type="slidenum">
+              <a:rPr lang="nl-NL" smtClean="0"/>
+              <a:t>8</a:t>
+            </a:fld>
+            <a:endParaRPr lang="nl-NL"/>
+          </a:p>
+        </p:txBody>
+      </p:sp>
+    </p:spTree>
+    <p:extLst>
+      <p:ext uri="{BB962C8B-B14F-4D97-AF65-F5344CB8AC3E}">
+        <p14:creationId xmlns:p14="http://schemas.microsoft.com/office/powerpoint/2010/main" val="1199364836"/>
+      </p:ext>
+    </p:extLst>
+  </p:cSld>
+  <p:clrMapOvr>
+    <a:masterClrMapping/>
+  </p:clrMapOvr>
+</p:notes>
+</file>
+
 <file path=ppt/slideLayouts/slideLayout1.xml><?xml version="1.0" encoding="utf-8"?>
 <p:sldLayout xmlns:a="http://schemas.openxmlformats.org/drawingml/2006/main" xmlns:r="http://schemas.openxmlformats.org/officeDocument/2006/relationships" xmlns:p="http://schemas.openxmlformats.org/presentationml/2006/main" type="title" preserve="1">
   <p:cSld name="Title Slide">
@@ -266,7 +708,7 @@
           <a:p>
             <a:fld id="{0506D139-8255-4032-8342-CDBE6BDAFC36}" type="datetimeFigureOut">
               <a:rPr lang="nl-NL" smtClean="0"/>
-              <a:t>24-4-2025</a:t>
+              <a:t>25-4-2025</a:t>
             </a:fld>
             <a:endParaRPr lang="nl-NL"/>
           </a:p>
@@ -466,7 +908,7 @@
           <a:p>
             <a:fld id="{0506D139-8255-4032-8342-CDBE6BDAFC36}" type="datetimeFigureOut">
               <a:rPr lang="nl-NL" smtClean="0"/>
-              <a:t>24-4-2025</a:t>
+              <a:t>25-4-2025</a:t>
             </a:fld>
             <a:endParaRPr lang="nl-NL"/>
           </a:p>
@@ -676,7 +1118,7 @@
           <a:p>
             <a:fld id="{0506D139-8255-4032-8342-CDBE6BDAFC36}" type="datetimeFigureOut">
               <a:rPr lang="nl-NL" smtClean="0"/>
-              <a:t>24-4-2025</a:t>
+              <a:t>25-4-2025</a:t>
             </a:fld>
             <a:endParaRPr lang="nl-NL"/>
           </a:p>
@@ -876,7 +1318,7 @@
           <a:p>
             <a:fld id="{0506D139-8255-4032-8342-CDBE6BDAFC36}" type="datetimeFigureOut">
               <a:rPr lang="nl-NL" smtClean="0"/>
-              <a:t>24-4-2025</a:t>
+              <a:t>25-4-2025</a:t>
             </a:fld>
             <a:endParaRPr lang="nl-NL"/>
           </a:p>
@@ -1152,7 +1594,7 @@
           <a:p>
             <a:fld id="{0506D139-8255-4032-8342-CDBE6BDAFC36}" type="datetimeFigureOut">
               <a:rPr lang="nl-NL" smtClean="0"/>
-              <a:t>24-4-2025</a:t>
+              <a:t>25-4-2025</a:t>
             </a:fld>
             <a:endParaRPr lang="nl-NL"/>
           </a:p>
@@ -1420,7 +1862,7 @@
           <a:p>
             <a:fld id="{0506D139-8255-4032-8342-CDBE6BDAFC36}" type="datetimeFigureOut">
               <a:rPr lang="nl-NL" smtClean="0"/>
-              <a:t>24-4-2025</a:t>
+              <a:t>25-4-2025</a:t>
             </a:fld>
             <a:endParaRPr lang="nl-NL"/>
           </a:p>
@@ -1835,7 +2277,7 @@
           <a:p>
             <a:fld id="{0506D139-8255-4032-8342-CDBE6BDAFC36}" type="datetimeFigureOut">
               <a:rPr lang="nl-NL" smtClean="0"/>
-              <a:t>24-4-2025</a:t>
+              <a:t>25-4-2025</a:t>
             </a:fld>
             <a:endParaRPr lang="nl-NL"/>
           </a:p>
@@ -1977,7 +2419,7 @@
           <a:p>
             <a:fld id="{0506D139-8255-4032-8342-CDBE6BDAFC36}" type="datetimeFigureOut">
               <a:rPr lang="nl-NL" smtClean="0"/>
-              <a:t>24-4-2025</a:t>
+              <a:t>25-4-2025</a:t>
             </a:fld>
             <a:endParaRPr lang="nl-NL"/>
           </a:p>
@@ -2090,7 +2532,7 @@
           <a:p>
             <a:fld id="{0506D139-8255-4032-8342-CDBE6BDAFC36}" type="datetimeFigureOut">
               <a:rPr lang="nl-NL" smtClean="0"/>
-              <a:t>24-4-2025</a:t>
+              <a:t>25-4-2025</a:t>
             </a:fld>
             <a:endParaRPr lang="nl-NL"/>
           </a:p>
@@ -2403,7 +2845,7 @@
           <a:p>
             <a:fld id="{0506D139-8255-4032-8342-CDBE6BDAFC36}" type="datetimeFigureOut">
               <a:rPr lang="nl-NL" smtClean="0"/>
-              <a:t>24-4-2025</a:t>
+              <a:t>25-4-2025</a:t>
             </a:fld>
             <a:endParaRPr lang="nl-NL"/>
           </a:p>
@@ -2692,7 +3134,7 @@
           <a:p>
             <a:fld id="{0506D139-8255-4032-8342-CDBE6BDAFC36}" type="datetimeFigureOut">
               <a:rPr lang="nl-NL" smtClean="0"/>
-              <a:t>24-4-2025</a:t>
+              <a:t>25-4-2025</a:t>
             </a:fld>
             <a:endParaRPr lang="nl-NL"/>
           </a:p>
@@ -2935,7 +3377,7 @@
           <a:p>
             <a:fld id="{0506D139-8255-4032-8342-CDBE6BDAFC36}" type="datetimeFigureOut">
               <a:rPr lang="nl-NL" smtClean="0"/>
-              <a:t>24-4-2025</a:t>
+              <a:t>25-4-2025</a:t>
             </a:fld>
             <a:endParaRPr lang="nl-NL"/>
           </a:p>
@@ -3412,6 +3854,587 @@
     <p:extLst>
       <p:ext uri="{BB962C8B-B14F-4D97-AF65-F5344CB8AC3E}">
         <p14:creationId xmlns:p14="http://schemas.microsoft.com/office/powerpoint/2010/main" val="3655128397"/>
+      </p:ext>
+    </p:extLst>
+  </p:cSld>
+  <p:clrMapOvr>
+    <a:masterClrMapping/>
+  </p:clrMapOvr>
+</p:sld>
+</file>
+
+<file path=ppt/slides/slide10.xml><?xml version="1.0" encoding="utf-8"?>
+<p:sld xmlns:a="http://schemas.openxmlformats.org/drawingml/2006/main" xmlns:r="http://schemas.openxmlformats.org/officeDocument/2006/relationships" xmlns:p="http://schemas.openxmlformats.org/presentationml/2006/main">
+  <p:cSld>
+    <p:spTree>
+      <p:nvGrpSpPr>
+        <p:cNvPr id="1" name=""/>
+        <p:cNvGrpSpPr/>
+        <p:nvPr/>
+      </p:nvGrpSpPr>
+      <p:grpSpPr>
+        <a:xfrm>
+          <a:off x="0" y="0"/>
+          <a:ext cx="0" cy="0"/>
+          <a:chOff x="0" y="0"/>
+          <a:chExt cx="0" cy="0"/>
+        </a:xfrm>
+      </p:grpSpPr>
+      <p:sp>
+        <p:nvSpPr>
+          <p:cNvPr id="2" name="Title 1">
+            <a:extLst>
+              <a:ext uri="{FF2B5EF4-FFF2-40B4-BE49-F238E27FC236}">
+                <a16:creationId xmlns:a16="http://schemas.microsoft.com/office/drawing/2014/main" id="{DBF532D1-7B41-0108-913D-B6D7875DF57D}"/>
+              </a:ext>
+            </a:extLst>
+          </p:cNvPr>
+          <p:cNvSpPr>
+            <a:spLocks noGrp="1"/>
+          </p:cNvSpPr>
+          <p:nvPr>
+            <p:ph type="title"/>
+          </p:nvPr>
+        </p:nvSpPr>
+        <p:spPr/>
+        <p:txBody>
+          <a:bodyPr/>
+          <a:lstStyle/>
+          <a:p>
+            <a:r>
+              <a:rPr lang="nl-NL" dirty="0" err="1"/>
+              <a:t>Duplicate</a:t>
+            </a:r>
+            <a:r>
+              <a:rPr lang="nl-NL" dirty="0"/>
+              <a:t> songs</a:t>
+            </a:r>
+          </a:p>
+        </p:txBody>
+      </p:sp>
+      <p:sp>
+        <p:nvSpPr>
+          <p:cNvPr id="3" name="Content Placeholder 2">
+            <a:extLst>
+              <a:ext uri="{FF2B5EF4-FFF2-40B4-BE49-F238E27FC236}">
+                <a16:creationId xmlns:a16="http://schemas.microsoft.com/office/drawing/2014/main" id="{62E02C2A-CA24-A116-2112-F0F856AC9222}"/>
+              </a:ext>
+            </a:extLst>
+          </p:cNvPr>
+          <p:cNvSpPr>
+            <a:spLocks noGrp="1"/>
+          </p:cNvSpPr>
+          <p:nvPr>
+            <p:ph idx="1"/>
+          </p:nvPr>
+        </p:nvSpPr>
+        <p:spPr/>
+        <p:txBody>
+          <a:bodyPr/>
+          <a:lstStyle/>
+          <a:p>
+            <a:r>
+              <a:rPr lang="nl-NL" dirty="0" err="1"/>
+              <a:t>If</a:t>
+            </a:r>
+            <a:r>
+              <a:rPr lang="nl-NL" dirty="0"/>
+              <a:t> I have a </a:t>
+            </a:r>
+            <a:r>
+              <a:rPr lang="nl-NL" dirty="0" err="1"/>
+              <a:t>traktor</a:t>
+            </a:r>
+            <a:r>
+              <a:rPr lang="nl-NL" dirty="0"/>
+              <a:t> </a:t>
+            </a:r>
+            <a:r>
+              <a:rPr lang="nl-NL" dirty="0" err="1"/>
+              <a:t>library</a:t>
+            </a:r>
+            <a:r>
+              <a:rPr lang="nl-NL" dirty="0"/>
+              <a:t> </a:t>
+            </a:r>
+            <a:r>
+              <a:rPr lang="nl-NL" dirty="0" err="1"/>
+              <a:t>which</a:t>
+            </a:r>
+            <a:r>
+              <a:rPr lang="nl-NL" dirty="0"/>
+              <a:t> </a:t>
+            </a:r>
+            <a:r>
+              <a:rPr lang="nl-NL" dirty="0" err="1"/>
+              <a:t>includes</a:t>
+            </a:r>
+            <a:r>
+              <a:rPr lang="nl-NL" dirty="0"/>
+              <a:t> </a:t>
+            </a:r>
+            <a:r>
+              <a:rPr lang="nl-NL" dirty="0" err="1"/>
+              <a:t>the</a:t>
+            </a:r>
+            <a:r>
+              <a:rPr lang="nl-NL" dirty="0"/>
+              <a:t> exact </a:t>
+            </a:r>
+            <a:r>
+              <a:rPr lang="nl-NL" dirty="0" err="1"/>
+              <a:t>same</a:t>
+            </a:r>
+            <a:r>
+              <a:rPr lang="nl-NL" dirty="0"/>
+              <a:t> song </a:t>
+            </a:r>
+            <a:r>
+              <a:rPr lang="nl-NL" dirty="0" err="1"/>
+              <a:t>twice</a:t>
+            </a:r>
+            <a:endParaRPr lang="nl-NL" dirty="0"/>
+          </a:p>
+          <a:p>
+            <a:pPr lvl="1"/>
+            <a:r>
+              <a:rPr lang="nl-NL" dirty="0"/>
+              <a:t>Both have </a:t>
+            </a:r>
+            <a:r>
+              <a:rPr lang="nl-NL" dirty="0" err="1"/>
+              <a:t>the</a:t>
+            </a:r>
+            <a:r>
+              <a:rPr lang="nl-NL" dirty="0"/>
+              <a:t> </a:t>
+            </a:r>
+            <a:r>
+              <a:rPr lang="nl-NL" dirty="0" err="1"/>
+              <a:t>same</a:t>
+            </a:r>
+            <a:r>
+              <a:rPr lang="nl-NL" dirty="0"/>
+              <a:t> audio </a:t>
+            </a:r>
+            <a:r>
+              <a:rPr lang="nl-NL" dirty="0" err="1"/>
+              <a:t>id</a:t>
+            </a:r>
+            <a:endParaRPr lang="nl-NL" dirty="0"/>
+          </a:p>
+          <a:p>
+            <a:pPr lvl="1"/>
+            <a:r>
+              <a:rPr lang="nl-NL" dirty="0"/>
+              <a:t>But different file </a:t>
+            </a:r>
+            <a:r>
+              <a:rPr lang="nl-NL" dirty="0" err="1"/>
+              <a:t>location</a:t>
+            </a:r>
+            <a:endParaRPr lang="nl-NL" dirty="0"/>
+          </a:p>
+          <a:p>
+            <a:pPr lvl="1"/>
+            <a:r>
+              <a:rPr lang="nl-NL" dirty="0" err="1"/>
+              <a:t>When</a:t>
+            </a:r>
+            <a:r>
+              <a:rPr lang="nl-NL" dirty="0"/>
+              <a:t> </a:t>
+            </a:r>
+            <a:r>
+              <a:rPr lang="nl-NL" dirty="0" err="1"/>
+              <a:t>loading</a:t>
+            </a:r>
+            <a:r>
+              <a:rPr lang="nl-NL" dirty="0"/>
+              <a:t> </a:t>
+            </a:r>
+            <a:r>
+              <a:rPr lang="nl-NL" dirty="0" err="1"/>
+              <a:t>the</a:t>
+            </a:r>
+            <a:r>
+              <a:rPr lang="nl-NL" dirty="0"/>
+              <a:t> </a:t>
+            </a:r>
+            <a:r>
+              <a:rPr lang="nl-NL" dirty="0" err="1"/>
+              <a:t>library</a:t>
+            </a:r>
+            <a:r>
+              <a:rPr lang="nl-NL" dirty="0"/>
+              <a:t> </a:t>
+            </a:r>
+            <a:r>
+              <a:rPr lang="nl-NL" dirty="0" err="1"/>
+              <a:t>there</a:t>
+            </a:r>
+            <a:r>
+              <a:rPr lang="nl-NL" dirty="0"/>
+              <a:t> </a:t>
+            </a:r>
+            <a:r>
+              <a:rPr lang="nl-NL" dirty="0" err="1"/>
+              <a:t>will</a:t>
+            </a:r>
+            <a:r>
+              <a:rPr lang="nl-NL" dirty="0"/>
+              <a:t> </a:t>
+            </a:r>
+            <a:r>
+              <a:rPr lang="nl-NL" dirty="0" err="1"/>
+              <a:t>be</a:t>
+            </a:r>
+            <a:r>
+              <a:rPr lang="nl-NL" dirty="0"/>
+              <a:t> made </a:t>
+            </a:r>
+            <a:r>
+              <a:rPr lang="nl-NL" dirty="0" err="1"/>
+              <a:t>one</a:t>
+            </a:r>
+            <a:r>
+              <a:rPr lang="nl-NL" dirty="0"/>
+              <a:t> entry, </a:t>
+            </a:r>
+            <a:r>
+              <a:rPr lang="nl-NL" dirty="0" err="1"/>
+              <a:t>and</a:t>
+            </a:r>
+            <a:r>
+              <a:rPr lang="nl-NL" dirty="0"/>
+              <a:t> </a:t>
+            </a:r>
+            <a:r>
+              <a:rPr lang="nl-NL" dirty="0" err="1"/>
+              <a:t>this</a:t>
+            </a:r>
+            <a:r>
+              <a:rPr lang="nl-NL" dirty="0"/>
+              <a:t> entry </a:t>
+            </a:r>
+            <a:r>
+              <a:rPr lang="nl-NL" dirty="0" err="1"/>
+              <a:t>will</a:t>
+            </a:r>
+            <a:r>
+              <a:rPr lang="nl-NL" dirty="0"/>
+              <a:t> </a:t>
+            </a:r>
+            <a:r>
+              <a:rPr lang="nl-NL" dirty="0" err="1"/>
+              <a:t>be</a:t>
+            </a:r>
+            <a:r>
+              <a:rPr lang="nl-NL" dirty="0"/>
+              <a:t> </a:t>
+            </a:r>
+            <a:r>
+              <a:rPr lang="nl-NL" dirty="0" err="1"/>
+              <a:t>overriden</a:t>
+            </a:r>
+            <a:r>
+              <a:rPr lang="nl-NL" dirty="0"/>
+              <a:t> </a:t>
+            </a:r>
+            <a:r>
+              <a:rPr lang="nl-NL" dirty="0" err="1"/>
+              <a:t>with</a:t>
+            </a:r>
+            <a:r>
+              <a:rPr lang="nl-NL" dirty="0"/>
+              <a:t> </a:t>
+            </a:r>
+            <a:r>
+              <a:rPr lang="nl-NL" dirty="0" err="1"/>
+              <a:t>the</a:t>
+            </a:r>
+            <a:r>
+              <a:rPr lang="nl-NL" dirty="0"/>
+              <a:t> </a:t>
+            </a:r>
+            <a:r>
+              <a:rPr lang="nl-NL" dirty="0" err="1"/>
+              <a:t>other</a:t>
+            </a:r>
+            <a:r>
+              <a:rPr lang="nl-NL" dirty="0"/>
+              <a:t> file </a:t>
+            </a:r>
+            <a:r>
+              <a:rPr lang="nl-NL" dirty="0" err="1"/>
+              <a:t>location</a:t>
+            </a:r>
+            <a:endParaRPr lang="nl-NL" dirty="0"/>
+          </a:p>
+          <a:p>
+            <a:r>
+              <a:rPr lang="nl-NL" dirty="0" err="1"/>
+              <a:t>Looking</a:t>
+            </a:r>
+            <a:r>
+              <a:rPr lang="nl-NL" dirty="0"/>
+              <a:t> up </a:t>
+            </a:r>
+            <a:r>
+              <a:rPr lang="nl-NL" dirty="0" err="1"/>
+              <a:t>playlists</a:t>
+            </a:r>
+            <a:r>
+              <a:rPr lang="nl-NL" dirty="0"/>
+              <a:t> </a:t>
+            </a:r>
+            <a:r>
+              <a:rPr lang="nl-NL" dirty="0" err="1"/>
+              <a:t>goes</a:t>
+            </a:r>
+            <a:r>
+              <a:rPr lang="nl-NL" dirty="0"/>
+              <a:t> </a:t>
+            </a:r>
+            <a:r>
+              <a:rPr lang="nl-NL" dirty="0" err="1"/>
+              <a:t>by</a:t>
+            </a:r>
+            <a:r>
+              <a:rPr lang="nl-NL" dirty="0"/>
+              <a:t> file </a:t>
+            </a:r>
+            <a:r>
+              <a:rPr lang="nl-NL" dirty="0" err="1"/>
+              <a:t>location</a:t>
+            </a:r>
+            <a:endParaRPr lang="nl-NL" dirty="0"/>
+          </a:p>
+          <a:p>
+            <a:pPr lvl="1"/>
+            <a:r>
+              <a:rPr lang="nl-NL" dirty="0" err="1"/>
+              <a:t>Better</a:t>
+            </a:r>
+            <a:r>
+              <a:rPr lang="nl-NL" dirty="0"/>
+              <a:t> store </a:t>
+            </a:r>
+            <a:r>
+              <a:rPr lang="nl-NL" dirty="0" err="1"/>
+              <a:t>them</a:t>
+            </a:r>
+            <a:r>
+              <a:rPr lang="nl-NL" dirty="0"/>
+              <a:t> </a:t>
+            </a:r>
+            <a:r>
+              <a:rPr lang="nl-NL" dirty="0" err="1"/>
+              <a:t>by</a:t>
+            </a:r>
+            <a:r>
+              <a:rPr lang="nl-NL" dirty="0"/>
+              <a:t> file </a:t>
+            </a:r>
+            <a:r>
+              <a:rPr lang="nl-NL" dirty="0" err="1"/>
+              <a:t>location</a:t>
+            </a:r>
+            <a:r>
+              <a:rPr lang="nl-NL" dirty="0"/>
+              <a:t> </a:t>
+            </a:r>
+            <a:r>
+              <a:rPr lang="nl-NL" dirty="0" err="1"/>
+              <a:t>instead</a:t>
+            </a:r>
+            <a:r>
+              <a:rPr lang="nl-NL" dirty="0"/>
+              <a:t> of audio </a:t>
+            </a:r>
+            <a:r>
+              <a:rPr lang="nl-NL" dirty="0" err="1"/>
+              <a:t>id</a:t>
+            </a:r>
+            <a:r>
+              <a:rPr lang="nl-NL" dirty="0"/>
+              <a:t> in </a:t>
+            </a:r>
+            <a:r>
+              <a:rPr lang="nl-NL" dirty="0" err="1"/>
+              <a:t>the</a:t>
+            </a:r>
+            <a:r>
+              <a:rPr lang="nl-NL" dirty="0"/>
+              <a:t> </a:t>
+            </a:r>
+            <a:r>
+              <a:rPr lang="nl-NL" dirty="0" err="1"/>
+              <a:t>dictionary</a:t>
+            </a:r>
+            <a:endParaRPr lang="nl-NL" dirty="0"/>
+          </a:p>
+        </p:txBody>
+      </p:sp>
+    </p:spTree>
+    <p:extLst>
+      <p:ext uri="{BB962C8B-B14F-4D97-AF65-F5344CB8AC3E}">
+        <p14:creationId xmlns:p14="http://schemas.microsoft.com/office/powerpoint/2010/main" val="1101915464"/>
+      </p:ext>
+    </p:extLst>
+  </p:cSld>
+  <p:clrMapOvr>
+    <a:masterClrMapping/>
+  </p:clrMapOvr>
+</p:sld>
+</file>
+
+<file path=ppt/slides/slide11.xml><?xml version="1.0" encoding="utf-8"?>
+<p:sld xmlns:a="http://schemas.openxmlformats.org/drawingml/2006/main" xmlns:r="http://schemas.openxmlformats.org/officeDocument/2006/relationships" xmlns:p="http://schemas.openxmlformats.org/presentationml/2006/main">
+  <p:cSld>
+    <p:spTree>
+      <p:nvGrpSpPr>
+        <p:cNvPr id="1" name=""/>
+        <p:cNvGrpSpPr/>
+        <p:nvPr/>
+      </p:nvGrpSpPr>
+      <p:grpSpPr>
+        <a:xfrm>
+          <a:off x="0" y="0"/>
+          <a:ext cx="0" cy="0"/>
+          <a:chOff x="0" y="0"/>
+          <a:chExt cx="0" cy="0"/>
+        </a:xfrm>
+      </p:grpSpPr>
+      <p:sp>
+        <p:nvSpPr>
+          <p:cNvPr id="2" name="Title 1">
+            <a:extLst>
+              <a:ext uri="{FF2B5EF4-FFF2-40B4-BE49-F238E27FC236}">
+                <a16:creationId xmlns:a16="http://schemas.microsoft.com/office/drawing/2014/main" id="{FD9482D7-2C1E-974F-0684-696B5C357A21}"/>
+              </a:ext>
+            </a:extLst>
+          </p:cNvPr>
+          <p:cNvSpPr>
+            <a:spLocks noGrp="1"/>
+          </p:cNvSpPr>
+          <p:nvPr>
+            <p:ph type="title"/>
+          </p:nvPr>
+        </p:nvSpPr>
+        <p:spPr/>
+        <p:txBody>
+          <a:bodyPr/>
+          <a:lstStyle/>
+          <a:p>
+            <a:r>
+              <a:rPr lang="nl-NL" dirty="0" err="1"/>
+              <a:t>Todo</a:t>
+            </a:r>
+            <a:r>
+              <a:rPr lang="nl-NL" dirty="0"/>
+              <a:t>	</a:t>
+            </a:r>
+          </a:p>
+        </p:txBody>
+      </p:sp>
+      <p:sp>
+        <p:nvSpPr>
+          <p:cNvPr id="3" name="Content Placeholder 2">
+            <a:extLst>
+              <a:ext uri="{FF2B5EF4-FFF2-40B4-BE49-F238E27FC236}">
+                <a16:creationId xmlns:a16="http://schemas.microsoft.com/office/drawing/2014/main" id="{DBE30E8A-0A74-9C39-826D-40C3B285F625}"/>
+              </a:ext>
+            </a:extLst>
+          </p:cNvPr>
+          <p:cNvSpPr>
+            <a:spLocks noGrp="1"/>
+          </p:cNvSpPr>
+          <p:nvPr>
+            <p:ph idx="1"/>
+          </p:nvPr>
+        </p:nvSpPr>
+        <p:spPr/>
+        <p:txBody>
+          <a:bodyPr/>
+          <a:lstStyle/>
+          <a:p>
+            <a:r>
+              <a:rPr lang="nl-NL" dirty="0"/>
+              <a:t>Fix </a:t>
+            </a:r>
+            <a:r>
+              <a:rPr lang="nl-NL" dirty="0" err="1"/>
+              <a:t>Traktor</a:t>
+            </a:r>
+            <a:r>
+              <a:rPr lang="nl-NL" dirty="0"/>
+              <a:t> </a:t>
+            </a:r>
+            <a:r>
+              <a:rPr lang="nl-NL" dirty="0" err="1"/>
+              <a:t>analyzing</a:t>
+            </a:r>
+            <a:endParaRPr lang="nl-NL" dirty="0"/>
+          </a:p>
+          <a:p>
+            <a:r>
+              <a:rPr lang="nl-NL" dirty="0"/>
+              <a:t>Download </a:t>
+            </a:r>
+            <a:r>
+              <a:rPr lang="nl-NL" dirty="0" err="1"/>
+              <a:t>remaining</a:t>
+            </a:r>
+            <a:r>
+              <a:rPr lang="nl-NL" dirty="0"/>
+              <a:t> songs</a:t>
+            </a:r>
+          </a:p>
+          <a:p>
+            <a:r>
+              <a:rPr lang="nl-NL" dirty="0"/>
+              <a:t>Make </a:t>
+            </a:r>
+            <a:r>
+              <a:rPr lang="nl-NL" dirty="0" err="1"/>
+              <a:t>custom</a:t>
+            </a:r>
+            <a:r>
+              <a:rPr lang="nl-NL" dirty="0"/>
+              <a:t> </a:t>
+            </a:r>
+            <a:r>
+              <a:rPr lang="nl-NL" dirty="0" err="1"/>
+              <a:t>playlists</a:t>
+            </a:r>
+            <a:endParaRPr lang="nl-NL" dirty="0"/>
+          </a:p>
+          <a:p>
+            <a:r>
+              <a:rPr lang="nl-NL" dirty="0"/>
+              <a:t>Test </a:t>
+            </a:r>
+            <a:r>
+              <a:rPr lang="nl-NL" dirty="0" err="1"/>
+              <a:t>not-forced</a:t>
+            </a:r>
+            <a:r>
+              <a:rPr lang="nl-NL" dirty="0"/>
+              <a:t> </a:t>
+            </a:r>
+            <a:r>
+              <a:rPr lang="nl-NL" dirty="0" err="1"/>
+              <a:t>loading</a:t>
+            </a:r>
+            <a:endParaRPr lang="nl-NL" dirty="0"/>
+          </a:p>
+        </p:txBody>
+      </p:sp>
+    </p:spTree>
+    <p:extLst>
+      <p:ext uri="{BB962C8B-B14F-4D97-AF65-F5344CB8AC3E}">
+        <p14:creationId xmlns:p14="http://schemas.microsoft.com/office/powerpoint/2010/main" val="2454707272"/>
       </p:ext>
     </p:extLst>
   </p:cSld>
@@ -6462,7 +7485,15 @@
             </a:r>
             <a:r>
               <a:rPr lang="nl-NL" dirty="0"/>
-              <a:t>({|item| </a:t>
+              <a:t>({|</a:t>
+            </a:r>
+            <a:r>
+              <a:rPr lang="nl-NL" dirty="0" err="1"/>
+              <a:t>path</a:t>
+            </a:r>
+            <a:r>
+              <a:rPr lang="nl-NL" dirty="0"/>
+              <a:t>, item| </a:t>
             </a:r>
             <a:r>
               <a:rPr lang="nl-NL" dirty="0" err="1"/>
@@ -6470,34 +7501,18 @@
             </a:r>
             <a:r>
               <a:rPr lang="nl-NL" dirty="0"/>
+              <a:t>(~</a:t>
+            </a:r>
+            <a:r>
+              <a:rPr lang="nl-NL" dirty="0" err="1"/>
+              <a:t>newUUIDs.includes</a:t>
+            </a:r>
+            <a:r>
+              <a:rPr lang="nl-NL" dirty="0"/>
               <a:t>(</a:t>
             </a:r>
             <a:r>
               <a:rPr lang="nl-NL" dirty="0" err="1"/>
-              <a:t>item.class</a:t>
-            </a:r>
-            <a:r>
-              <a:rPr lang="nl-NL" dirty="0"/>
-              <a:t> == Playlist){</a:t>
-            </a:r>
-            <a:r>
-              <a:rPr lang="nl-NL" dirty="0" err="1"/>
-              <a:t>if</a:t>
-            </a:r>
-            <a:r>
-              <a:rPr lang="nl-NL" dirty="0"/>
-              <a:t>(~</a:t>
-            </a:r>
-            <a:r>
-              <a:rPr lang="nl-NL" dirty="0" err="1"/>
-              <a:t>newUUIDs.includes</a:t>
-            </a:r>
-            <a:r>
-              <a:rPr lang="nl-NL" dirty="0"/>
-              <a:t>(</a:t>
-            </a:r>
-            <a:r>
-              <a:rPr lang="nl-NL" dirty="0" err="1"/>
               <a:t>item.uuId</a:t>
             </a:r>
             <a:r>
@@ -6510,7 +7525,7 @@
             </a:r>
             <a:r>
               <a:rPr lang="nl-NL" dirty="0"/>
-              <a:t>}}});</a:t>
+              <a:t>}});</a:t>
             </a:r>
           </a:p>
         </p:txBody>
@@ -6519,6 +7534,723 @@
     <p:extLst>
       <p:ext uri="{BB962C8B-B14F-4D97-AF65-F5344CB8AC3E}">
         <p14:creationId xmlns:p14="http://schemas.microsoft.com/office/powerpoint/2010/main" val="1957822881"/>
+      </p:ext>
+    </p:extLst>
+  </p:cSld>
+  <p:clrMapOvr>
+    <a:masterClrMapping/>
+  </p:clrMapOvr>
+</p:sld>
+</file>
+
+<file path=ppt/slides/slide7.xml><?xml version="1.0" encoding="utf-8"?>
+<p:sld xmlns:a="http://schemas.openxmlformats.org/drawingml/2006/main" xmlns:r="http://schemas.openxmlformats.org/officeDocument/2006/relationships" xmlns:p="http://schemas.openxmlformats.org/presentationml/2006/main">
+  <p:cSld>
+    <p:spTree>
+      <p:nvGrpSpPr>
+        <p:cNvPr id="1" name=""/>
+        <p:cNvGrpSpPr/>
+        <p:nvPr/>
+      </p:nvGrpSpPr>
+      <p:grpSpPr>
+        <a:xfrm>
+          <a:off x="0" y="0"/>
+          <a:ext cx="0" cy="0"/>
+          <a:chOff x="0" y="0"/>
+          <a:chExt cx="0" cy="0"/>
+        </a:xfrm>
+      </p:grpSpPr>
+      <p:sp>
+        <p:nvSpPr>
+          <p:cNvPr id="2" name="Title 1">
+            <a:extLst>
+              <a:ext uri="{FF2B5EF4-FFF2-40B4-BE49-F238E27FC236}">
+                <a16:creationId xmlns:a16="http://schemas.microsoft.com/office/drawing/2014/main" id="{AE1EAB50-9E86-9CF2-2107-229EE2F44781}"/>
+              </a:ext>
+            </a:extLst>
+          </p:cNvPr>
+          <p:cNvSpPr>
+            <a:spLocks noGrp="1"/>
+          </p:cNvSpPr>
+          <p:nvPr>
+            <p:ph type="title"/>
+          </p:nvPr>
+        </p:nvSpPr>
+        <p:spPr/>
+        <p:txBody>
+          <a:bodyPr/>
+          <a:lstStyle/>
+          <a:p>
+            <a:r>
+              <a:rPr lang="nl-NL" dirty="0" err="1"/>
+              <a:t>Problem</a:t>
+            </a:r>
+            <a:r>
+              <a:rPr lang="nl-NL" dirty="0"/>
+              <a:t> </a:t>
+            </a:r>
+            <a:r>
+              <a:rPr lang="nl-NL" dirty="0" err="1"/>
+              <a:t>with</a:t>
+            </a:r>
+            <a:r>
+              <a:rPr lang="nl-NL" dirty="0"/>
+              <a:t> </a:t>
+            </a:r>
+            <a:r>
+              <a:rPr lang="nl-NL" dirty="0" err="1"/>
+              <a:t>custom</a:t>
+            </a:r>
+            <a:r>
+              <a:rPr lang="nl-NL" dirty="0"/>
+              <a:t> </a:t>
+            </a:r>
+            <a:r>
+              <a:rPr lang="nl-NL" dirty="0" err="1"/>
+              <a:t>playlists</a:t>
+            </a:r>
+            <a:r>
+              <a:rPr lang="nl-NL" dirty="0"/>
+              <a:t>	</a:t>
+            </a:r>
+          </a:p>
+        </p:txBody>
+      </p:sp>
+      <p:sp>
+        <p:nvSpPr>
+          <p:cNvPr id="3" name="Content Placeholder 2">
+            <a:extLst>
+              <a:ext uri="{FF2B5EF4-FFF2-40B4-BE49-F238E27FC236}">
+                <a16:creationId xmlns:a16="http://schemas.microsoft.com/office/drawing/2014/main" id="{0B73C4F6-CCFC-DE13-2054-9A9615C300CD}"/>
+              </a:ext>
+            </a:extLst>
+          </p:cNvPr>
+          <p:cNvSpPr>
+            <a:spLocks noGrp="1"/>
+          </p:cNvSpPr>
+          <p:nvPr>
+            <p:ph idx="1"/>
+          </p:nvPr>
+        </p:nvSpPr>
+        <p:spPr/>
+        <p:txBody>
+          <a:bodyPr/>
+          <a:lstStyle/>
+          <a:p>
+            <a:r>
+              <a:rPr lang="nl-NL" dirty="0" err="1"/>
+              <a:t>Currently</a:t>
+            </a:r>
+            <a:r>
+              <a:rPr lang="nl-NL" dirty="0"/>
+              <a:t> I store </a:t>
+            </a:r>
+            <a:r>
+              <a:rPr lang="nl-NL" dirty="0" err="1"/>
+              <a:t>the</a:t>
+            </a:r>
+            <a:r>
+              <a:rPr lang="nl-NL" dirty="0"/>
+              <a:t> </a:t>
+            </a:r>
+            <a:r>
+              <a:rPr lang="nl-NL" dirty="0" err="1"/>
+              <a:t>indexes</a:t>
+            </a:r>
+            <a:r>
+              <a:rPr lang="nl-NL" dirty="0"/>
+              <a:t> of tracks</a:t>
+            </a:r>
+          </a:p>
+          <a:p>
+            <a:r>
+              <a:rPr lang="nl-NL" dirty="0" err="1"/>
+              <a:t>If</a:t>
+            </a:r>
+            <a:r>
+              <a:rPr lang="nl-NL" dirty="0"/>
+              <a:t> I </a:t>
+            </a:r>
+            <a:r>
+              <a:rPr lang="nl-NL" dirty="0" err="1"/>
+              <a:t>create</a:t>
+            </a:r>
+            <a:r>
+              <a:rPr lang="nl-NL" dirty="0"/>
+              <a:t> </a:t>
+            </a:r>
+            <a:r>
+              <a:rPr lang="nl-NL" dirty="0" err="1"/>
+              <a:t>my</a:t>
+            </a:r>
+            <a:r>
+              <a:rPr lang="nl-NL" dirty="0"/>
+              <a:t> </a:t>
+            </a:r>
+            <a:r>
+              <a:rPr lang="nl-NL" dirty="0" err="1"/>
+              <a:t>own</a:t>
+            </a:r>
+            <a:r>
+              <a:rPr lang="nl-NL" dirty="0"/>
+              <a:t> </a:t>
+            </a:r>
+            <a:r>
+              <a:rPr lang="nl-NL" dirty="0" err="1"/>
+              <a:t>playlist</a:t>
+            </a:r>
+            <a:r>
+              <a:rPr lang="nl-NL" dirty="0"/>
+              <a:t> </a:t>
+            </a:r>
+            <a:r>
+              <a:rPr lang="nl-NL" dirty="0" err="1"/>
+              <a:t>within</a:t>
+            </a:r>
+            <a:r>
+              <a:rPr lang="nl-NL" dirty="0"/>
+              <a:t> supercollider, </a:t>
+            </a:r>
+            <a:r>
+              <a:rPr lang="nl-NL" dirty="0" err="1"/>
+              <a:t>it’s</a:t>
+            </a:r>
+            <a:r>
+              <a:rPr lang="nl-NL" dirty="0"/>
+              <a:t> </a:t>
+            </a:r>
+            <a:r>
+              <a:rPr lang="nl-NL" dirty="0" err="1"/>
+              <a:t>not</a:t>
+            </a:r>
+            <a:r>
+              <a:rPr lang="nl-NL" dirty="0"/>
+              <a:t> </a:t>
+            </a:r>
+            <a:r>
+              <a:rPr lang="nl-NL" dirty="0" err="1"/>
+              <a:t>sufficient</a:t>
+            </a:r>
+            <a:r>
+              <a:rPr lang="nl-NL" dirty="0"/>
+              <a:t> </a:t>
+            </a:r>
+            <a:r>
+              <a:rPr lang="nl-NL" dirty="0" err="1"/>
+              <a:t>to</a:t>
+            </a:r>
+            <a:r>
+              <a:rPr lang="nl-NL" dirty="0"/>
+              <a:t> </a:t>
+            </a:r>
+            <a:r>
+              <a:rPr lang="nl-NL" dirty="0" err="1"/>
+              <a:t>only</a:t>
+            </a:r>
+            <a:r>
+              <a:rPr lang="nl-NL" dirty="0"/>
+              <a:t> </a:t>
+            </a:r>
+            <a:r>
+              <a:rPr lang="nl-NL" dirty="0" err="1"/>
+              <a:t>write</a:t>
+            </a:r>
+            <a:r>
+              <a:rPr lang="nl-NL" dirty="0"/>
+              <a:t> down </a:t>
+            </a:r>
+            <a:r>
+              <a:rPr lang="nl-NL" dirty="0" err="1"/>
+              <a:t>the</a:t>
+            </a:r>
+            <a:r>
+              <a:rPr lang="nl-NL" dirty="0"/>
+              <a:t> index, </a:t>
+            </a:r>
+            <a:r>
+              <a:rPr lang="nl-NL" dirty="0" err="1"/>
+              <a:t>since</a:t>
+            </a:r>
+            <a:r>
+              <a:rPr lang="nl-NL" dirty="0"/>
+              <a:t> </a:t>
+            </a:r>
+            <a:r>
+              <a:rPr lang="nl-NL" dirty="0" err="1"/>
+              <a:t>the</a:t>
+            </a:r>
+            <a:r>
+              <a:rPr lang="nl-NL" dirty="0"/>
+              <a:t> index </a:t>
+            </a:r>
+            <a:r>
+              <a:rPr lang="nl-NL" dirty="0" err="1"/>
+              <a:t>might</a:t>
+            </a:r>
+            <a:r>
+              <a:rPr lang="nl-NL" dirty="0"/>
+              <a:t> change</a:t>
+            </a:r>
+          </a:p>
+          <a:p>
+            <a:r>
+              <a:rPr lang="nl-NL" dirty="0"/>
+              <a:t>Solution: </a:t>
+            </a:r>
+            <a:r>
+              <a:rPr lang="nl-NL" dirty="0" err="1"/>
+              <a:t>use</a:t>
+            </a:r>
+            <a:r>
+              <a:rPr lang="nl-NL" dirty="0"/>
+              <a:t> a </a:t>
+            </a:r>
+            <a:r>
+              <a:rPr lang="nl-NL" dirty="0" err="1"/>
+              <a:t>dictionary</a:t>
+            </a:r>
+            <a:r>
+              <a:rPr lang="nl-NL" dirty="0"/>
+              <a:t>, </a:t>
+            </a:r>
+            <a:r>
+              <a:rPr lang="nl-NL" dirty="0" err="1"/>
+              <a:t>with</a:t>
+            </a:r>
+            <a:r>
+              <a:rPr lang="nl-NL" dirty="0"/>
+              <a:t> as </a:t>
+            </a:r>
+            <a:r>
+              <a:rPr lang="nl-NL" dirty="0" err="1"/>
+              <a:t>key</a:t>
+            </a:r>
+            <a:r>
+              <a:rPr lang="nl-NL" dirty="0"/>
+              <a:t> </a:t>
+            </a:r>
+            <a:r>
+              <a:rPr lang="nl-NL" dirty="0" err="1"/>
+              <a:t>the</a:t>
+            </a:r>
+            <a:r>
+              <a:rPr lang="nl-NL" dirty="0"/>
+              <a:t> </a:t>
+            </a:r>
+            <a:r>
+              <a:rPr lang="nl-NL" dirty="0" err="1"/>
+              <a:t>id</a:t>
+            </a:r>
+            <a:r>
+              <a:rPr lang="nl-NL" dirty="0"/>
+              <a:t> </a:t>
+            </a:r>
+            <a:r>
+              <a:rPr lang="nl-NL" dirty="0" err="1"/>
+              <a:t>value</a:t>
+            </a:r>
+            <a:r>
+              <a:rPr lang="nl-NL" dirty="0"/>
+              <a:t> of </a:t>
+            </a:r>
+            <a:r>
+              <a:rPr lang="nl-NL" dirty="0" err="1"/>
+              <a:t>the</a:t>
+            </a:r>
+            <a:r>
+              <a:rPr lang="nl-NL" dirty="0"/>
+              <a:t> track</a:t>
+            </a:r>
+          </a:p>
+        </p:txBody>
+      </p:sp>
+    </p:spTree>
+    <p:extLst>
+      <p:ext uri="{BB962C8B-B14F-4D97-AF65-F5344CB8AC3E}">
+        <p14:creationId xmlns:p14="http://schemas.microsoft.com/office/powerpoint/2010/main" val="4085635445"/>
+      </p:ext>
+    </p:extLst>
+  </p:cSld>
+  <p:clrMapOvr>
+    <a:masterClrMapping/>
+  </p:clrMapOvr>
+</p:sld>
+</file>
+
+<file path=ppt/slides/slide8.xml><?xml version="1.0" encoding="utf-8"?>
+<p:sld xmlns:a="http://schemas.openxmlformats.org/drawingml/2006/main" xmlns:r="http://schemas.openxmlformats.org/officeDocument/2006/relationships" xmlns:p="http://schemas.openxmlformats.org/presentationml/2006/main">
+  <p:cSld>
+    <p:spTree>
+      <p:nvGrpSpPr>
+        <p:cNvPr id="1" name=""/>
+        <p:cNvGrpSpPr/>
+        <p:nvPr/>
+      </p:nvGrpSpPr>
+      <p:grpSpPr>
+        <a:xfrm>
+          <a:off x="0" y="0"/>
+          <a:ext cx="0" cy="0"/>
+          <a:chOff x="0" y="0"/>
+          <a:chExt cx="0" cy="0"/>
+        </a:xfrm>
+      </p:grpSpPr>
+      <p:sp>
+        <p:nvSpPr>
+          <p:cNvPr id="2" name="Title 1">
+            <a:extLst>
+              <a:ext uri="{FF2B5EF4-FFF2-40B4-BE49-F238E27FC236}">
+                <a16:creationId xmlns:a16="http://schemas.microsoft.com/office/drawing/2014/main" id="{3023818D-803E-602B-1B05-462B3403C3CA}"/>
+              </a:ext>
+            </a:extLst>
+          </p:cNvPr>
+          <p:cNvSpPr>
+            <a:spLocks noGrp="1"/>
+          </p:cNvSpPr>
+          <p:nvPr>
+            <p:ph type="title"/>
+          </p:nvPr>
+        </p:nvSpPr>
+        <p:spPr/>
+        <p:txBody>
+          <a:bodyPr/>
+          <a:lstStyle/>
+          <a:p>
+            <a:r>
+              <a:rPr lang="nl-NL" dirty="0" err="1"/>
+              <a:t>Weird</a:t>
+            </a:r>
+            <a:r>
+              <a:rPr lang="nl-NL" dirty="0"/>
+              <a:t> </a:t>
+            </a:r>
+            <a:r>
+              <a:rPr lang="nl-NL" dirty="0" err="1"/>
+              <a:t>descrapency</a:t>
+            </a:r>
+            <a:r>
+              <a:rPr lang="nl-NL" dirty="0"/>
+              <a:t> </a:t>
+            </a:r>
+            <a:r>
+              <a:rPr lang="nl-NL" dirty="0" err="1"/>
+              <a:t>between</a:t>
+            </a:r>
+            <a:r>
+              <a:rPr lang="nl-NL" dirty="0"/>
+              <a:t> shunt </a:t>
+            </a:r>
+            <a:r>
+              <a:rPr lang="nl-NL" dirty="0" err="1"/>
+              <a:t>and</a:t>
+            </a:r>
+            <a:r>
+              <a:rPr lang="nl-NL" dirty="0"/>
+              <a:t> </a:t>
+            </a:r>
+            <a:r>
+              <a:rPr lang="nl-NL" dirty="0" err="1"/>
+              <a:t>multi</a:t>
+            </a:r>
+            <a:endParaRPr lang="nl-NL" dirty="0"/>
+          </a:p>
+        </p:txBody>
+      </p:sp>
+      <p:pic>
+        <p:nvPicPr>
+          <p:cNvPr id="5" name="Picture 4">
+            <a:extLst>
+              <a:ext uri="{FF2B5EF4-FFF2-40B4-BE49-F238E27FC236}">
+                <a16:creationId xmlns:a16="http://schemas.microsoft.com/office/drawing/2014/main" id="{4EFAD7D0-BE81-39F0-D76B-BC3BED74CE80}"/>
+              </a:ext>
+            </a:extLst>
+          </p:cNvPr>
+          <p:cNvPicPr>
+            <a:picLocks noChangeAspect="1"/>
+          </p:cNvPicPr>
+          <p:nvPr/>
+        </p:nvPicPr>
+        <p:blipFill>
+          <a:blip r:embed="rId3"/>
+          <a:stretch>
+            <a:fillRect/>
+          </a:stretch>
+        </p:blipFill>
+        <p:spPr>
+          <a:xfrm>
+            <a:off x="6181003" y="2134570"/>
+            <a:ext cx="5172797" cy="4429743"/>
+          </a:xfrm>
+          <a:prstGeom prst="rect">
+            <a:avLst/>
+          </a:prstGeom>
+        </p:spPr>
+      </p:pic>
+      <p:pic>
+        <p:nvPicPr>
+          <p:cNvPr id="7" name="Picture 6">
+            <a:extLst>
+              <a:ext uri="{FF2B5EF4-FFF2-40B4-BE49-F238E27FC236}">
+                <a16:creationId xmlns:a16="http://schemas.microsoft.com/office/drawing/2014/main" id="{37A73302-3774-5B0C-DDE3-83855B148861}"/>
+              </a:ext>
+            </a:extLst>
+          </p:cNvPr>
+          <p:cNvPicPr>
+            <a:picLocks noChangeAspect="1"/>
+          </p:cNvPicPr>
+          <p:nvPr/>
+        </p:nvPicPr>
+        <p:blipFill>
+          <a:blip r:embed="rId4"/>
+          <a:stretch>
+            <a:fillRect/>
+          </a:stretch>
+        </p:blipFill>
+        <p:spPr>
+          <a:xfrm>
+            <a:off x="838200" y="2401307"/>
+            <a:ext cx="5115639" cy="4163006"/>
+          </a:xfrm>
+          <a:prstGeom prst="rect">
+            <a:avLst/>
+          </a:prstGeom>
+        </p:spPr>
+      </p:pic>
+    </p:spTree>
+    <p:extLst>
+      <p:ext uri="{BB962C8B-B14F-4D97-AF65-F5344CB8AC3E}">
+        <p14:creationId xmlns:p14="http://schemas.microsoft.com/office/powerpoint/2010/main" val="2719609124"/>
+      </p:ext>
+    </p:extLst>
+  </p:cSld>
+  <p:clrMapOvr>
+    <a:masterClrMapping/>
+  </p:clrMapOvr>
+</p:sld>
+</file>
+
+<file path=ppt/slides/slide9.xml><?xml version="1.0" encoding="utf-8"?>
+<p:sld xmlns:a="http://schemas.openxmlformats.org/drawingml/2006/main" xmlns:r="http://schemas.openxmlformats.org/officeDocument/2006/relationships" xmlns:p="http://schemas.openxmlformats.org/presentationml/2006/main">
+  <p:cSld>
+    <p:spTree>
+      <p:nvGrpSpPr>
+        <p:cNvPr id="1" name=""/>
+        <p:cNvGrpSpPr/>
+        <p:nvPr/>
+      </p:nvGrpSpPr>
+      <p:grpSpPr>
+        <a:xfrm>
+          <a:off x="0" y="0"/>
+          <a:ext cx="0" cy="0"/>
+          <a:chOff x="0" y="0"/>
+          <a:chExt cx="0" cy="0"/>
+        </a:xfrm>
+      </p:grpSpPr>
+      <p:sp>
+        <p:nvSpPr>
+          <p:cNvPr id="2" name="Title 1">
+            <a:extLst>
+              <a:ext uri="{FF2B5EF4-FFF2-40B4-BE49-F238E27FC236}">
+                <a16:creationId xmlns:a16="http://schemas.microsoft.com/office/drawing/2014/main" id="{0B0BC23D-A5F4-9C61-D7D1-EE52C3F95D5C}"/>
+              </a:ext>
+            </a:extLst>
+          </p:cNvPr>
+          <p:cNvSpPr>
+            <a:spLocks noGrp="1"/>
+          </p:cNvSpPr>
+          <p:nvPr>
+            <p:ph type="title"/>
+          </p:nvPr>
+        </p:nvSpPr>
+        <p:spPr/>
+        <p:txBody>
+          <a:bodyPr/>
+          <a:lstStyle/>
+          <a:p>
+            <a:r>
+              <a:rPr lang="nl-NL" dirty="0" err="1"/>
+              <a:t>Lists</a:t>
+            </a:r>
+            <a:r>
+              <a:rPr lang="nl-NL" dirty="0"/>
+              <a:t> of songs</a:t>
+            </a:r>
+          </a:p>
+        </p:txBody>
+      </p:sp>
+      <p:sp>
+        <p:nvSpPr>
+          <p:cNvPr id="3" name="Content Placeholder 2">
+            <a:extLst>
+              <a:ext uri="{FF2B5EF4-FFF2-40B4-BE49-F238E27FC236}">
+                <a16:creationId xmlns:a16="http://schemas.microsoft.com/office/drawing/2014/main" id="{97F09E47-FD92-0DC7-CC19-FC42EC9CDCFC}"/>
+              </a:ext>
+            </a:extLst>
+          </p:cNvPr>
+          <p:cNvSpPr>
+            <a:spLocks noGrp="1"/>
+          </p:cNvSpPr>
+          <p:nvPr>
+            <p:ph idx="1"/>
+          </p:nvPr>
+        </p:nvSpPr>
+        <p:spPr/>
+        <p:txBody>
+          <a:bodyPr/>
+          <a:lstStyle/>
+          <a:p>
+            <a:r>
+              <a:rPr lang="nl-NL" dirty="0"/>
+              <a:t>Dictionary, </a:t>
+            </a:r>
+            <a:r>
+              <a:rPr lang="nl-NL" dirty="0" err="1"/>
+              <a:t>for</a:t>
+            </a:r>
+            <a:r>
+              <a:rPr lang="nl-NL" dirty="0"/>
+              <a:t> </a:t>
+            </a:r>
+            <a:r>
+              <a:rPr lang="nl-NL" dirty="0" err="1"/>
+              <a:t>library</a:t>
+            </a:r>
+            <a:r>
+              <a:rPr lang="nl-NL" dirty="0"/>
+              <a:t> </a:t>
+            </a:r>
+            <a:r>
+              <a:rPr lang="nl-NL" dirty="0" err="1"/>
+              <a:t>purposes</a:t>
+            </a:r>
+            <a:endParaRPr lang="nl-NL" dirty="0"/>
+          </a:p>
+          <a:p>
+            <a:r>
+              <a:rPr lang="nl-NL" dirty="0"/>
+              <a:t>Array of </a:t>
+            </a:r>
+            <a:r>
+              <a:rPr lang="nl-NL" dirty="0" err="1"/>
+              <a:t>ids</a:t>
+            </a:r>
+            <a:r>
+              <a:rPr lang="nl-NL" dirty="0"/>
+              <a:t>, </a:t>
+            </a:r>
+            <a:r>
+              <a:rPr lang="nl-NL" dirty="0" err="1"/>
+              <a:t>for</a:t>
+            </a:r>
+            <a:r>
+              <a:rPr lang="nl-NL" dirty="0"/>
+              <a:t> </a:t>
+            </a:r>
+            <a:r>
+              <a:rPr lang="nl-NL" dirty="0" err="1"/>
+              <a:t>playlists</a:t>
+            </a:r>
+            <a:r>
+              <a:rPr lang="nl-NL" dirty="0"/>
+              <a:t>, </a:t>
+            </a:r>
+            <a:r>
+              <a:rPr lang="nl-NL" dirty="0" err="1"/>
+              <a:t>ids</a:t>
+            </a:r>
+            <a:r>
+              <a:rPr lang="nl-NL" dirty="0"/>
+              <a:t> </a:t>
+            </a:r>
+            <a:r>
+              <a:rPr lang="nl-NL" dirty="0" err="1"/>
+              <a:t>need</a:t>
+            </a:r>
+            <a:r>
+              <a:rPr lang="nl-NL" dirty="0"/>
+              <a:t> </a:t>
+            </a:r>
+            <a:r>
+              <a:rPr lang="nl-NL" dirty="0" err="1"/>
+              <a:t>to</a:t>
+            </a:r>
+            <a:r>
+              <a:rPr lang="nl-NL" dirty="0"/>
+              <a:t> </a:t>
+            </a:r>
+            <a:r>
+              <a:rPr lang="nl-NL" dirty="0" err="1"/>
+              <a:t>be</a:t>
+            </a:r>
+            <a:r>
+              <a:rPr lang="nl-NL" dirty="0"/>
+              <a:t> </a:t>
+            </a:r>
+            <a:r>
+              <a:rPr lang="nl-NL" dirty="0" err="1"/>
+              <a:t>looked</a:t>
+            </a:r>
+            <a:r>
+              <a:rPr lang="nl-NL" dirty="0"/>
+              <a:t> up in track </a:t>
+            </a:r>
+            <a:r>
+              <a:rPr lang="nl-NL" dirty="0" err="1"/>
+              <a:t>dictionary</a:t>
+            </a:r>
+            <a:endParaRPr lang="nl-NL" dirty="0"/>
+          </a:p>
+          <a:p>
+            <a:r>
+              <a:rPr lang="nl-NL" dirty="0"/>
+              <a:t>Array of tracks, </a:t>
+            </a:r>
+            <a:r>
+              <a:rPr lang="nl-NL" dirty="0" err="1"/>
+              <a:t>for</a:t>
+            </a:r>
+            <a:r>
+              <a:rPr lang="nl-NL" dirty="0"/>
+              <a:t> </a:t>
+            </a:r>
+            <a:r>
+              <a:rPr lang="nl-NL" dirty="0" err="1"/>
+              <a:t>playing</a:t>
+            </a:r>
+            <a:r>
+              <a:rPr lang="nl-NL" dirty="0"/>
+              <a:t> </a:t>
+            </a:r>
+            <a:r>
+              <a:rPr lang="nl-NL" dirty="0" err="1"/>
+              <a:t>and</a:t>
+            </a:r>
+            <a:r>
+              <a:rPr lang="nl-NL" dirty="0"/>
+              <a:t> handling </a:t>
+            </a:r>
+            <a:r>
+              <a:rPr lang="nl-NL" dirty="0" err="1"/>
+              <a:t>by</a:t>
+            </a:r>
+            <a:r>
+              <a:rPr lang="nl-NL" dirty="0"/>
+              <a:t> </a:t>
+            </a:r>
+            <a:r>
+              <a:rPr lang="nl-NL" dirty="0" err="1"/>
+              <a:t>library</a:t>
+            </a:r>
+            <a:r>
+              <a:rPr lang="nl-NL" dirty="0"/>
+              <a:t> console</a:t>
+            </a:r>
+          </a:p>
+        </p:txBody>
+      </p:sp>
+    </p:spTree>
+    <p:extLst>
+      <p:ext uri="{BB962C8B-B14F-4D97-AF65-F5344CB8AC3E}">
+        <p14:creationId xmlns:p14="http://schemas.microsoft.com/office/powerpoint/2010/main" val="3374598119"/>
       </p:ext>
     </p:extLst>
   </p:cSld>
@@ -6841,4 +8573,319 @@
     </a:ext>
   </a:extLst>
 </a:theme>
+</file>
+
+<file path=ppt/theme/theme2.xml><?xml version="1.0" encoding="utf-8"?>
+<a:theme xmlns:a="http://schemas.openxmlformats.org/drawingml/2006/main" name="Office Theme">
+  <a:themeElements>
+    <a:clrScheme name="Office">
+      <a:dk1>
+        <a:sysClr val="windowText" lastClr="000000"/>
+      </a:dk1>
+      <a:lt1>
+        <a:sysClr val="window" lastClr="FFFFFF"/>
+      </a:lt1>
+      <a:dk2>
+        <a:srgbClr val="0E2841"/>
+      </a:dk2>
+      <a:lt2>
+        <a:srgbClr val="E8E8E8"/>
+      </a:lt2>
+      <a:accent1>
+        <a:srgbClr val="156082"/>
+      </a:accent1>
+      <a:accent2>
+        <a:srgbClr val="E97132"/>
+      </a:accent2>
+      <a:accent3>
+        <a:srgbClr val="196B24"/>
+      </a:accent3>
+      <a:accent4>
+        <a:srgbClr val="0F9ED5"/>
+      </a:accent4>
+      <a:accent5>
+        <a:srgbClr val="A02B93"/>
+      </a:accent5>
+      <a:accent6>
+        <a:srgbClr val="4EA72E"/>
+      </a:accent6>
+      <a:hlink>
+        <a:srgbClr val="467886"/>
+      </a:hlink>
+      <a:folHlink>
+        <a:srgbClr val="96607D"/>
+      </a:folHlink>
+    </a:clrScheme>
+    <a:fontScheme name="Office">
+      <a:majorFont>
+        <a:latin typeface="Aptos Display" panose="02110004020202020204"/>
+        <a:ea typeface=""/>
+        <a:cs typeface=""/>
+        <a:font script="Jpan" typeface="游ゴシック Light"/>
+        <a:font script="Hang" typeface="맑은 고딕"/>
+        <a:font script="Hans" typeface="等线 Light"/>
+        <a:font script="Hant" typeface="新細明體"/>
+        <a:font script="Arab" typeface="Times New Roman"/>
+        <a:font script="Hebr" typeface="Times New Roman"/>
+        <a:font script="Thai" typeface="Angsana New"/>
+        <a:font script="Ethi" typeface="Nyala"/>
+        <a:font script="Beng" typeface="Vrinda"/>
+        <a:font script="Gujr" typeface="Shruti"/>
+        <a:font script="Khmr" typeface="MoolBoran"/>
+        <a:font script="Knda" typeface="Tunga"/>
+        <a:font script="Guru" typeface="Raavi"/>
+        <a:font script="Cans" typeface="Euphemia"/>
+        <a:font script="Cher" typeface="Plantagenet Cherokee"/>
+        <a:font script="Yiii" typeface="Microsoft Yi Baiti"/>
+        <a:font script="Tibt" typeface="Microsoft Himalaya"/>
+        <a:font script="Thaa" typeface="MV Boli"/>
+        <a:font script="Deva" typeface="Mangal"/>
+        <a:font script="Telu" typeface="Gautami"/>
+        <a:font script="Taml" typeface="Latha"/>
+        <a:font script="Syrc" typeface="Estrangelo Edessa"/>
+        <a:font script="Orya" typeface="Kalinga"/>
+        <a:font script="Mlym" typeface="Kartika"/>
+        <a:font script="Laoo" typeface="DokChampa"/>
+        <a:font script="Sinh" typeface="Iskoola Pota"/>
+        <a:font script="Mong" typeface="Mongolian Baiti"/>
+        <a:font script="Viet" typeface="Times New Roman"/>
+        <a:font script="Uigh" typeface="Microsoft Uighur"/>
+        <a:font script="Geor" typeface="Sylfaen"/>
+        <a:font script="Armn" typeface="Arial"/>
+        <a:font script="Bugi" typeface="Leelawadee UI"/>
+        <a:font script="Bopo" typeface="Microsoft JhengHei"/>
+        <a:font script="Java" typeface="Javanese Text"/>
+        <a:font script="Lisu" typeface="Segoe UI"/>
+        <a:font script="Mymr" typeface="Myanmar Text"/>
+        <a:font script="Nkoo" typeface="Ebrima"/>
+        <a:font script="Olck" typeface="Nirmala UI"/>
+        <a:font script="Osma" typeface="Ebrima"/>
+        <a:font script="Phag" typeface="Phagspa"/>
+        <a:font script="Syrn" typeface="Estrangelo Edessa"/>
+        <a:font script="Syrj" typeface="Estrangelo Edessa"/>
+        <a:font script="Syre" typeface="Estrangelo Edessa"/>
+        <a:font script="Sora" typeface="Nirmala UI"/>
+        <a:font script="Tale" typeface="Microsoft Tai Le"/>
+        <a:font script="Talu" typeface="Microsoft New Tai Lue"/>
+        <a:font script="Tfng" typeface="Ebrima"/>
+      </a:majorFont>
+      <a:minorFont>
+        <a:latin typeface="Aptos" panose="02110004020202020204"/>
+        <a:ea typeface=""/>
+        <a:cs typeface=""/>
+        <a:font script="Jpan" typeface="游ゴシック"/>
+        <a:font script="Hang" typeface="맑은 고딕"/>
+        <a:font script="Hans" typeface="等线"/>
+        <a:font script="Hant" typeface="新細明體"/>
+        <a:font script="Arab" typeface="Arial"/>
+        <a:font script="Hebr" typeface="Arial"/>
+        <a:font script="Thai" typeface="Cordia New"/>
+        <a:font script="Ethi" typeface="Nyala"/>
+        <a:font script="Beng" typeface="Vrinda"/>
+        <a:font script="Gujr" typeface="Shruti"/>
+        <a:font script="Khmr" typeface="DaunPenh"/>
+        <a:font script="Knda" typeface="Tunga"/>
+        <a:font script="Guru" typeface="Raavi"/>
+        <a:font script="Cans" typeface="Euphemia"/>
+        <a:font script="Cher" typeface="Plantagenet Cherokee"/>
+        <a:font script="Yiii" typeface="Microsoft Yi Baiti"/>
+        <a:font script="Tibt" typeface="Microsoft Himalaya"/>
+        <a:font script="Thaa" typeface="MV Boli"/>
+        <a:font script="Deva" typeface="Mangal"/>
+        <a:font script="Telu" typeface="Gautami"/>
+        <a:font script="Taml" typeface="Latha"/>
+        <a:font script="Syrc" typeface="Estrangelo Edessa"/>
+        <a:font script="Orya" typeface="Kalinga"/>
+        <a:font script="Mlym" typeface="Kartika"/>
+        <a:font script="Laoo" typeface="DokChampa"/>
+        <a:font script="Sinh" typeface="Iskoola Pota"/>
+        <a:font script="Mong" typeface="Mongolian Baiti"/>
+        <a:font script="Viet" typeface="Arial"/>
+        <a:font script="Uigh" typeface="Microsoft Uighur"/>
+        <a:font script="Geor" typeface="Sylfaen"/>
+        <a:font script="Armn" typeface="Arial"/>
+        <a:font script="Bugi" typeface="Leelawadee UI"/>
+        <a:font script="Bopo" typeface="Microsoft JhengHei"/>
+        <a:font script="Java" typeface="Javanese Text"/>
+        <a:font script="Lisu" typeface="Segoe UI"/>
+        <a:font script="Mymr" typeface="Myanmar Text"/>
+        <a:font script="Nkoo" typeface="Ebrima"/>
+        <a:font script="Olck" typeface="Nirmala UI"/>
+        <a:font script="Osma" typeface="Ebrima"/>
+        <a:font script="Phag" typeface="Phagspa"/>
+        <a:font script="Syrn" typeface="Estrangelo Edessa"/>
+        <a:font script="Syrj" typeface="Estrangelo Edessa"/>
+        <a:font script="Syre" typeface="Estrangelo Edessa"/>
+        <a:font script="Sora" typeface="Nirmala UI"/>
+        <a:font script="Tale" typeface="Microsoft Tai Le"/>
+        <a:font script="Talu" typeface="Microsoft New Tai Lue"/>
+        <a:font script="Tfng" typeface="Ebrima"/>
+      </a:minorFont>
+    </a:fontScheme>
+    <a:fmtScheme name="Office">
+      <a:fillStyleLst>
+        <a:solidFill>
+          <a:schemeClr val="phClr"/>
+        </a:solidFill>
+        <a:gradFill rotWithShape="1">
+          <a:gsLst>
+            <a:gs pos="0">
+              <a:schemeClr val="phClr">
+                <a:lumMod val="110000"/>
+                <a:satMod val="105000"/>
+                <a:tint val="67000"/>
+              </a:schemeClr>
+            </a:gs>
+            <a:gs pos="50000">
+              <a:schemeClr val="phClr">
+                <a:lumMod val="105000"/>
+                <a:satMod val="103000"/>
+                <a:tint val="73000"/>
+              </a:schemeClr>
+            </a:gs>
+            <a:gs pos="100000">
+              <a:schemeClr val="phClr">
+                <a:lumMod val="105000"/>
+                <a:satMod val="109000"/>
+                <a:tint val="81000"/>
+              </a:schemeClr>
+            </a:gs>
+          </a:gsLst>
+          <a:lin ang="5400000" scaled="0"/>
+        </a:gradFill>
+        <a:gradFill rotWithShape="1">
+          <a:gsLst>
+            <a:gs pos="0">
+              <a:schemeClr val="phClr">
+                <a:satMod val="103000"/>
+                <a:lumMod val="102000"/>
+                <a:tint val="94000"/>
+              </a:schemeClr>
+            </a:gs>
+            <a:gs pos="50000">
+              <a:schemeClr val="phClr">
+                <a:satMod val="110000"/>
+                <a:lumMod val="100000"/>
+                <a:shade val="100000"/>
+              </a:schemeClr>
+            </a:gs>
+            <a:gs pos="100000">
+              <a:schemeClr val="phClr">
+                <a:lumMod val="99000"/>
+                <a:satMod val="120000"/>
+                <a:shade val="78000"/>
+              </a:schemeClr>
+            </a:gs>
+          </a:gsLst>
+          <a:lin ang="5400000" scaled="0"/>
+        </a:gradFill>
+      </a:fillStyleLst>
+      <a:lnStyleLst>
+        <a:ln w="12700" cap="flat" cmpd="sng" algn="ctr">
+          <a:solidFill>
+            <a:schemeClr val="phClr"/>
+          </a:solidFill>
+          <a:prstDash val="solid"/>
+          <a:miter lim="800000"/>
+        </a:ln>
+        <a:ln w="19050" cap="flat" cmpd="sng" algn="ctr">
+          <a:solidFill>
+            <a:schemeClr val="phClr"/>
+          </a:solidFill>
+          <a:prstDash val="solid"/>
+          <a:miter lim="800000"/>
+        </a:ln>
+        <a:ln w="25400" cap="flat" cmpd="sng" algn="ctr">
+          <a:solidFill>
+            <a:schemeClr val="phClr"/>
+          </a:solidFill>
+          <a:prstDash val="solid"/>
+          <a:miter lim="800000"/>
+        </a:ln>
+      </a:lnStyleLst>
+      <a:effectStyleLst>
+        <a:effectStyle>
+          <a:effectLst/>
+        </a:effectStyle>
+        <a:effectStyle>
+          <a:effectLst/>
+        </a:effectStyle>
+        <a:effectStyle>
+          <a:effectLst>
+            <a:outerShdw blurRad="57150" dist="19050" dir="5400000" algn="ctr" rotWithShape="0">
+              <a:srgbClr val="000000">
+                <a:alpha val="63000"/>
+              </a:srgbClr>
+            </a:outerShdw>
+          </a:effectLst>
+        </a:effectStyle>
+      </a:effectStyleLst>
+      <a:bgFillStyleLst>
+        <a:solidFill>
+          <a:schemeClr val="phClr"/>
+        </a:solidFill>
+        <a:solidFill>
+          <a:schemeClr val="phClr">
+            <a:tint val="95000"/>
+            <a:satMod val="170000"/>
+          </a:schemeClr>
+        </a:solidFill>
+        <a:gradFill rotWithShape="1">
+          <a:gsLst>
+            <a:gs pos="0">
+              <a:schemeClr val="phClr">
+                <a:tint val="93000"/>
+                <a:satMod val="150000"/>
+                <a:shade val="98000"/>
+                <a:lumMod val="102000"/>
+              </a:schemeClr>
+            </a:gs>
+            <a:gs pos="50000">
+              <a:schemeClr val="phClr">
+                <a:tint val="98000"/>
+                <a:satMod val="130000"/>
+                <a:shade val="90000"/>
+                <a:lumMod val="103000"/>
+              </a:schemeClr>
+            </a:gs>
+            <a:gs pos="100000">
+              <a:schemeClr val="phClr">
+                <a:shade val="63000"/>
+                <a:satMod val="120000"/>
+              </a:schemeClr>
+            </a:gs>
+          </a:gsLst>
+          <a:lin ang="5400000" scaled="0"/>
+        </a:gradFill>
+      </a:bgFillStyleLst>
+    </a:fmtScheme>
+  </a:themeElements>
+  <a:objectDefaults>
+    <a:lnDef>
+      <a:spPr/>
+      <a:bodyPr/>
+      <a:lstStyle/>
+      <a:style>
+        <a:lnRef idx="2">
+          <a:schemeClr val="accent1"/>
+        </a:lnRef>
+        <a:fillRef idx="0">
+          <a:schemeClr val="accent1"/>
+        </a:fillRef>
+        <a:effectRef idx="1">
+          <a:schemeClr val="accent1"/>
+        </a:effectRef>
+        <a:fontRef idx="minor">
+          <a:schemeClr val="tx1"/>
+        </a:fontRef>
+      </a:style>
+    </a:lnDef>
+  </a:objectDefaults>
+  <a:extraClrSchemeLst/>
+  <a:extLst>
+    <a:ext uri="{05A4C25C-085E-4340-85A3-A5531E510DB2}">
+      <thm15:themeFamily xmlns:thm15="http://schemas.microsoft.com/office/thememl/2012/main" name="Office Theme" id="{2E142A2C-CD16-42D6-873A-C26D2A0506FA}" vid="{1BDDFF52-6CD6-40A5-AB3C-68EB2F1E4D0A}"/>
+    </a:ext>
+  </a:extLst>
+</a:theme>
 </file>